--- a/TP 1.pptx
+++ b/TP 1.pptx
@@ -27,6 +27,8 @@
     <p:sldId id="272" r:id="rId22"/>
     <p:sldId id="273" r:id="rId23"/>
     <p:sldId id="274" r:id="rId24"/>
+    <p:sldId id="275" r:id="rId25"/>
+    <p:sldId id="276" r:id="rId26"/>
   </p:sldIdLst>
   <p:sldSz cy="5143500" cx="9144000"/>
   <p:notesSz cx="6858000" cy="9144000"/>
@@ -275,7 +277,7 @@
       </p15:sldGuideLst>
     </p:ext>
     <p:ext uri="GoogleSlidesCustomDataVersion2">
-      <go:slidesCustomData xmlns:go="http://customooxmlschemas.google.com/" r:id="rId25" roundtripDataSignature="AMtx7mjM4gqn4jh4hsL46y/iah8MZ4/TtA=="/>
+      <go:slidesCustomData xmlns:go="http://customooxmlschemas.google.com/" r:id="rId27" roundtripDataSignature="AMtx7mgMLKmFYAPi9RgaofCaZUyChnSpOQ=="/>
     </p:ext>
   </p:extLst>
 </p:presentation>
@@ -2458,7 +2460,7 @@
       </p:grpSpPr>
       <p:sp>
         <p:nvSpPr>
-          <p:cNvPr id="202" name="Google Shape;202;g122ebe92d3d_0_63:notes"/>
+          <p:cNvPr id="202" name="Google Shape;202;g27b62c34462_0_14:notes"/>
           <p:cNvSpPr/>
           <p:nvPr>
             <p:ph idx="2" type="sldImg"/>
@@ -2503,7 +2505,7 @@
       </p:sp>
       <p:sp>
         <p:nvSpPr>
-          <p:cNvPr id="203" name="Google Shape;203;g122ebe92d3d_0_63:notes"/>
+          <p:cNvPr id="203" name="Google Shape;203;g27b62c34462_0_14:notes"/>
           <p:cNvSpPr txBox="1"/>
           <p:nvPr>
             <p:ph idx="1" type="body"/>
@@ -2550,7 +2552,7 @@
       </p:sp>
       <p:sp>
         <p:nvSpPr>
-          <p:cNvPr id="204" name="Google Shape;204;g122ebe92d3d_0_63:notes"/>
+          <p:cNvPr id="204" name="Google Shape;204;g27b62c34462_0_14:notes"/>
           <p:cNvSpPr txBox="1"/>
           <p:nvPr>
             <p:ph idx="12" type="sldNum"/>
@@ -2629,7 +2631,7 @@
   <p:cSld>
     <p:spTree>
       <p:nvGrpSpPr>
-        <p:cNvPr id="209" name="Shape 209"/>
+        <p:cNvPr id="210" name="Shape 210"/>
         <p:cNvGrpSpPr/>
         <p:nvPr/>
       </p:nvGrpSpPr>
@@ -2643,7 +2645,7 @@
       </p:grpSpPr>
       <p:sp>
         <p:nvSpPr>
-          <p:cNvPr id="210" name="Google Shape;210;g122ebe92d3d_0_107:notes"/>
+          <p:cNvPr id="211" name="Google Shape;211;g27b62c34462_0_6:notes"/>
           <p:cNvSpPr/>
           <p:nvPr>
             <p:ph idx="2" type="sldImg"/>
@@ -2651,8 +2653,8 @@
         </p:nvSpPr>
         <p:spPr>
           <a:xfrm>
-            <a:off x="381309" y="685800"/>
-            <a:ext cx="6096000" cy="3429000"/>
+            <a:off x="685800" y="1143000"/>
+            <a:ext cx="5486400" cy="3086100"/>
           </a:xfrm>
           <a:custGeom>
             <a:rect b="b" l="l" r="r" t="t"/>
@@ -2675,7 +2677,7 @@
             </a:pathLst>
           </a:custGeom>
           <a:noFill/>
-          <a:ln cap="flat" cmpd="sng" w="9525">
+          <a:ln cap="flat" cmpd="sng" w="12700">
             <a:solidFill>
               <a:srgbClr val="000000"/>
             </a:solidFill>
@@ -2688,7 +2690,7 @@
       </p:sp>
       <p:sp>
         <p:nvSpPr>
-          <p:cNvPr id="211" name="Google Shape;211;g122ebe92d3d_0_107:notes"/>
+          <p:cNvPr id="212" name="Google Shape;212;g27b62c34462_0_6:notes"/>
           <p:cNvSpPr txBox="1"/>
           <p:nvPr>
             <p:ph idx="1" type="body"/>
@@ -2696,8 +2698,8 @@
         </p:nvSpPr>
         <p:spPr>
           <a:xfrm>
-            <a:off x="685800" y="4343400"/>
-            <a:ext cx="5486400" cy="4114800"/>
+            <a:off x="685800" y="4400550"/>
+            <a:ext cx="5486400" cy="3600600"/>
           </a:xfrm>
           <a:prstGeom prst="rect">
             <a:avLst/>
@@ -2708,7 +2710,7 @@
           </a:ln>
         </p:spPr>
         <p:txBody>
-          <a:bodyPr anchorCtr="0" anchor="t" bIns="91425" lIns="91425" spcFirstLastPara="1" rIns="91425" wrap="square" tIns="91425">
+          <a:bodyPr anchorCtr="0" anchor="t" bIns="45700" lIns="91425" spcFirstLastPara="1" rIns="91425" wrap="square" tIns="45700">
             <a:noAutofit/>
           </a:bodyPr>
           <a:lstStyle/>
@@ -2723,13 +2725,81 @@
               <a:spcAft>
                 <a:spcPts val="0"/>
               </a:spcAft>
-              <a:buSzPts val="1100"/>
+              <a:buSzPts val="1400"/>
               <a:buNone/>
             </a:pPr>
             <a:r>
               <a:t/>
             </a:r>
             <a:endParaRPr/>
+          </a:p>
+        </p:txBody>
+      </p:sp>
+      <p:sp>
+        <p:nvSpPr>
+          <p:cNvPr id="213" name="Google Shape;213;g27b62c34462_0_6:notes"/>
+          <p:cNvSpPr txBox="1"/>
+          <p:nvPr>
+            <p:ph idx="12" type="sldNum"/>
+          </p:nvPr>
+        </p:nvSpPr>
+        <p:spPr>
+          <a:xfrm>
+            <a:off x="3884613" y="8685213"/>
+            <a:ext cx="2971800" cy="458700"/>
+          </a:xfrm>
+          <a:prstGeom prst="rect">
+            <a:avLst/>
+          </a:prstGeom>
+          <a:noFill/>
+          <a:ln>
+            <a:noFill/>
+          </a:ln>
+        </p:spPr>
+        <p:txBody>
+          <a:bodyPr anchorCtr="0" anchor="b" bIns="45700" lIns="91425" spcFirstLastPara="1" rIns="91425" wrap="square" tIns="45700">
+            <a:noAutofit/>
+          </a:bodyPr>
+          <a:lstStyle/>
+          <a:p>
+            <a:pPr indent="0" lvl="0" marL="0" marR="0" rtl="0" algn="r">
+              <a:lnSpc>
+                <a:spcPct val="100000"/>
+              </a:lnSpc>
+              <a:spcBef>
+                <a:spcPts val="0"/>
+              </a:spcBef>
+              <a:spcAft>
+                <a:spcPts val="0"/>
+              </a:spcAft>
+              <a:buClr>
+                <a:srgbClr val="000000"/>
+              </a:buClr>
+              <a:buSzPts val="1400"/>
+              <a:buFont typeface="Arial"/>
+              <a:buNone/>
+            </a:pPr>
+            <a:fld id="{00000000-1234-1234-1234-123412341234}" type="slidenum">
+              <a:rPr b="0" i="0" lang="en-GB" sz="1400" u="none" cap="none" strike="noStrike">
+                <a:solidFill>
+                  <a:srgbClr val="000000"/>
+                </a:solidFill>
+                <a:latin typeface="Arial"/>
+                <a:ea typeface="Arial"/>
+                <a:cs typeface="Arial"/>
+                <a:sym typeface="Arial"/>
+              </a:rPr>
+              <a:t>‹#›</a:t>
+            </a:fld>
+            <a:endParaRPr b="0" i="0" sz="1400" u="none" cap="none" strike="noStrike">
+              <a:solidFill>
+                <a:srgbClr val="000000"/>
+              </a:solidFill>
+              <a:latin typeface="Arial"/>
+              <a:ea typeface="Arial"/>
+              <a:cs typeface="Arial"/>
+              <a:sym typeface="Arial"/>
+            </a:endParaRPr>
           </a:p>
         </p:txBody>
       </p:sp>
@@ -2915,6 +2985,308 @@
               <a:cs typeface="Arial"/>
               <a:sym typeface="Arial"/>
             </a:endParaRPr>
+          </a:p>
+        </p:txBody>
+      </p:sp>
+    </p:spTree>
+  </p:cSld>
+  <p:clrMapOvr>
+    <a:masterClrMapping/>
+  </p:clrMapOvr>
+</p:notes>
+</file>
+
+<file path=ppt/notesSlides/notesSlide20.xml><?xml version="1.0" encoding="utf-8"?>
+<p:notes xmlns:a="http://schemas.openxmlformats.org/drawingml/2006/main" xmlns:r="http://schemas.openxmlformats.org/officeDocument/2006/relationships" xmlns:mc="http://schemas.openxmlformats.org/markup-compatibility/2006" xmlns:mv="urn:schemas-microsoft-com:mac:vml" xmlns:p="http://schemas.openxmlformats.org/presentationml/2006/main" xmlns:c="http://schemas.openxmlformats.org/drawingml/2006/chart" xmlns:dgm="http://schemas.openxmlformats.org/drawingml/2006/diagram" xmlns:o="urn:schemas-microsoft-com:office:office" xmlns:v="urn:schemas-microsoft-com:vml" xmlns:pvml="urn:schemas-microsoft-com:office:powerpoint" xmlns:com="http://schemas.openxmlformats.org/drawingml/2006/compatibility" xmlns:p14="http://schemas.microsoft.com/office/powerpoint/2010/main" xmlns:p15="http://schemas.microsoft.com/office/powerpoint/2012/main" xmlns:ahyp="http://schemas.microsoft.com/office/drawing/2018/hyperlinkcolor" showMasterPhAnim="0" showMasterSp="0">
+  <p:cSld>
+    <p:spTree>
+      <p:nvGrpSpPr>
+        <p:cNvPr id="217" name="Shape 217"/>
+        <p:cNvGrpSpPr/>
+        <p:nvPr/>
+      </p:nvGrpSpPr>
+      <p:grpSpPr>
+        <a:xfrm>
+          <a:off x="0" y="0"/>
+          <a:ext cx="0" cy="0"/>
+          <a:chOff x="0" y="0"/>
+          <a:chExt cx="0" cy="0"/>
+        </a:xfrm>
+      </p:grpSpPr>
+      <p:sp>
+        <p:nvSpPr>
+          <p:cNvPr id="218" name="Google Shape;218;g122ebe92d3d_0_63:notes"/>
+          <p:cNvSpPr/>
+          <p:nvPr>
+            <p:ph idx="2" type="sldImg"/>
+          </p:nvPr>
+        </p:nvSpPr>
+        <p:spPr>
+          <a:xfrm>
+            <a:off x="685800" y="1143000"/>
+            <a:ext cx="5486400" cy="3086100"/>
+          </a:xfrm>
+          <a:custGeom>
+            <a:rect b="b" l="l" r="r" t="t"/>
+            <a:pathLst>
+              <a:path extrusionOk="0" h="120000" w="120000">
+                <a:moveTo>
+                  <a:pt x="0" y="0"/>
+                </a:moveTo>
+                <a:lnTo>
+                  <a:pt x="120000" y="0"/>
+                </a:lnTo>
+                <a:lnTo>
+                  <a:pt x="120000" y="120000"/>
+                </a:lnTo>
+                <a:lnTo>
+                  <a:pt x="0" y="120000"/>
+                </a:lnTo>
+                <a:close/>
+              </a:path>
+            </a:pathLst>
+          </a:custGeom>
+          <a:noFill/>
+          <a:ln cap="flat" cmpd="sng" w="12700">
+            <a:solidFill>
+              <a:srgbClr val="000000"/>
+            </a:solidFill>
+            <a:prstDash val="solid"/>
+            <a:round/>
+            <a:headEnd len="sm" w="sm" type="none"/>
+            <a:tailEnd len="sm" w="sm" type="none"/>
+          </a:ln>
+        </p:spPr>
+      </p:sp>
+      <p:sp>
+        <p:nvSpPr>
+          <p:cNvPr id="219" name="Google Shape;219;g122ebe92d3d_0_63:notes"/>
+          <p:cNvSpPr txBox="1"/>
+          <p:nvPr>
+            <p:ph idx="1" type="body"/>
+          </p:nvPr>
+        </p:nvSpPr>
+        <p:spPr>
+          <a:xfrm>
+            <a:off x="685800" y="4400550"/>
+            <a:ext cx="5486400" cy="3600600"/>
+          </a:xfrm>
+          <a:prstGeom prst="rect">
+            <a:avLst/>
+          </a:prstGeom>
+          <a:noFill/>
+          <a:ln>
+            <a:noFill/>
+          </a:ln>
+        </p:spPr>
+        <p:txBody>
+          <a:bodyPr anchorCtr="0" anchor="t" bIns="45700" lIns="91425" spcFirstLastPara="1" rIns="91425" wrap="square" tIns="45700">
+            <a:noAutofit/>
+          </a:bodyPr>
+          <a:lstStyle/>
+          <a:p>
+            <a:pPr indent="0" lvl="0" marL="0" rtl="0" algn="l">
+              <a:lnSpc>
+                <a:spcPct val="100000"/>
+              </a:lnSpc>
+              <a:spcBef>
+                <a:spcPts val="0"/>
+              </a:spcBef>
+              <a:spcAft>
+                <a:spcPts val="0"/>
+              </a:spcAft>
+              <a:buSzPts val="1400"/>
+              <a:buNone/>
+            </a:pPr>
+            <a:r>
+              <a:t/>
+            </a:r>
+            <a:endParaRPr/>
+          </a:p>
+        </p:txBody>
+      </p:sp>
+      <p:sp>
+        <p:nvSpPr>
+          <p:cNvPr id="220" name="Google Shape;220;g122ebe92d3d_0_63:notes"/>
+          <p:cNvSpPr txBox="1"/>
+          <p:nvPr>
+            <p:ph idx="12" type="sldNum"/>
+          </p:nvPr>
+        </p:nvSpPr>
+        <p:spPr>
+          <a:xfrm>
+            <a:off x="3884613" y="8685213"/>
+            <a:ext cx="2971800" cy="458700"/>
+          </a:xfrm>
+          <a:prstGeom prst="rect">
+            <a:avLst/>
+          </a:prstGeom>
+          <a:noFill/>
+          <a:ln>
+            <a:noFill/>
+          </a:ln>
+        </p:spPr>
+        <p:txBody>
+          <a:bodyPr anchorCtr="0" anchor="b" bIns="45700" lIns="91425" spcFirstLastPara="1" rIns="91425" wrap="square" tIns="45700">
+            <a:noAutofit/>
+          </a:bodyPr>
+          <a:lstStyle/>
+          <a:p>
+            <a:pPr indent="0" lvl="0" marL="0" marR="0" rtl="0" algn="r">
+              <a:lnSpc>
+                <a:spcPct val="100000"/>
+              </a:lnSpc>
+              <a:spcBef>
+                <a:spcPts val="0"/>
+              </a:spcBef>
+              <a:spcAft>
+                <a:spcPts val="0"/>
+              </a:spcAft>
+              <a:buClr>
+                <a:srgbClr val="000000"/>
+              </a:buClr>
+              <a:buSzPts val="1400"/>
+              <a:buFont typeface="Arial"/>
+              <a:buNone/>
+            </a:pPr>
+            <a:fld id="{00000000-1234-1234-1234-123412341234}" type="slidenum">
+              <a:rPr b="0" i="0" lang="en-GB" sz="1400" u="none" cap="none" strike="noStrike">
+                <a:solidFill>
+                  <a:srgbClr val="000000"/>
+                </a:solidFill>
+                <a:latin typeface="Arial"/>
+                <a:ea typeface="Arial"/>
+                <a:cs typeface="Arial"/>
+                <a:sym typeface="Arial"/>
+              </a:rPr>
+              <a:t>‹#›</a:t>
+            </a:fld>
+            <a:endParaRPr b="0" i="0" sz="1400" u="none" cap="none" strike="noStrike">
+              <a:solidFill>
+                <a:srgbClr val="000000"/>
+              </a:solidFill>
+              <a:latin typeface="Arial"/>
+              <a:ea typeface="Arial"/>
+              <a:cs typeface="Arial"/>
+              <a:sym typeface="Arial"/>
+            </a:endParaRPr>
+          </a:p>
+        </p:txBody>
+      </p:sp>
+    </p:spTree>
+  </p:cSld>
+  <p:clrMapOvr>
+    <a:masterClrMapping/>
+  </p:clrMapOvr>
+</p:notes>
+</file>
+
+<file path=ppt/notesSlides/notesSlide21.xml><?xml version="1.0" encoding="utf-8"?>
+<p:notes xmlns:a="http://schemas.openxmlformats.org/drawingml/2006/main" xmlns:r="http://schemas.openxmlformats.org/officeDocument/2006/relationships" xmlns:mc="http://schemas.openxmlformats.org/markup-compatibility/2006" xmlns:mv="urn:schemas-microsoft-com:mac:vml" xmlns:p="http://schemas.openxmlformats.org/presentationml/2006/main" xmlns:c="http://schemas.openxmlformats.org/drawingml/2006/chart" xmlns:dgm="http://schemas.openxmlformats.org/drawingml/2006/diagram" xmlns:o="urn:schemas-microsoft-com:office:office" xmlns:v="urn:schemas-microsoft-com:vml" xmlns:pvml="urn:schemas-microsoft-com:office:powerpoint" xmlns:com="http://schemas.openxmlformats.org/drawingml/2006/compatibility" xmlns:p14="http://schemas.microsoft.com/office/powerpoint/2010/main" xmlns:p15="http://schemas.microsoft.com/office/powerpoint/2012/main" xmlns:ahyp="http://schemas.microsoft.com/office/drawing/2018/hyperlinkcolor" showMasterPhAnim="0" showMasterSp="0">
+  <p:cSld>
+    <p:spTree>
+      <p:nvGrpSpPr>
+        <p:cNvPr id="225" name="Shape 225"/>
+        <p:cNvGrpSpPr/>
+        <p:nvPr/>
+      </p:nvGrpSpPr>
+      <p:grpSpPr>
+        <a:xfrm>
+          <a:off x="0" y="0"/>
+          <a:ext cx="0" cy="0"/>
+          <a:chOff x="0" y="0"/>
+          <a:chExt cx="0" cy="0"/>
+        </a:xfrm>
+      </p:grpSpPr>
+      <p:sp>
+        <p:nvSpPr>
+          <p:cNvPr id="226" name="Google Shape;226;g122ebe92d3d_0_107:notes"/>
+          <p:cNvSpPr/>
+          <p:nvPr>
+            <p:ph idx="2" type="sldImg"/>
+          </p:nvPr>
+        </p:nvSpPr>
+        <p:spPr>
+          <a:xfrm>
+            <a:off x="381309" y="685800"/>
+            <a:ext cx="6096000" cy="3429000"/>
+          </a:xfrm>
+          <a:custGeom>
+            <a:rect b="b" l="l" r="r" t="t"/>
+            <a:pathLst>
+              <a:path extrusionOk="0" h="120000" w="120000">
+                <a:moveTo>
+                  <a:pt x="0" y="0"/>
+                </a:moveTo>
+                <a:lnTo>
+                  <a:pt x="120000" y="0"/>
+                </a:lnTo>
+                <a:lnTo>
+                  <a:pt x="120000" y="120000"/>
+                </a:lnTo>
+                <a:lnTo>
+                  <a:pt x="0" y="120000"/>
+                </a:lnTo>
+                <a:close/>
+              </a:path>
+            </a:pathLst>
+          </a:custGeom>
+          <a:noFill/>
+          <a:ln cap="flat" cmpd="sng" w="9525">
+            <a:solidFill>
+              <a:srgbClr val="000000"/>
+            </a:solidFill>
+            <a:prstDash val="solid"/>
+            <a:round/>
+            <a:headEnd len="sm" w="sm" type="none"/>
+            <a:tailEnd len="sm" w="sm" type="none"/>
+          </a:ln>
+        </p:spPr>
+      </p:sp>
+      <p:sp>
+        <p:nvSpPr>
+          <p:cNvPr id="227" name="Google Shape;227;g122ebe92d3d_0_107:notes"/>
+          <p:cNvSpPr txBox="1"/>
+          <p:nvPr>
+            <p:ph idx="1" type="body"/>
+          </p:nvPr>
+        </p:nvSpPr>
+        <p:spPr>
+          <a:xfrm>
+            <a:off x="685800" y="4343400"/>
+            <a:ext cx="5486400" cy="4114800"/>
+          </a:xfrm>
+          <a:prstGeom prst="rect">
+            <a:avLst/>
+          </a:prstGeom>
+          <a:noFill/>
+          <a:ln>
+            <a:noFill/>
+          </a:ln>
+        </p:spPr>
+        <p:txBody>
+          <a:bodyPr anchorCtr="0" anchor="t" bIns="91425" lIns="91425" spcFirstLastPara="1" rIns="91425" wrap="square" tIns="91425">
+            <a:noAutofit/>
+          </a:bodyPr>
+          <a:lstStyle/>
+          <a:p>
+            <a:pPr indent="0" lvl="0" marL="0" rtl="0" algn="l">
+              <a:lnSpc>
+                <a:spcPct val="100000"/>
+              </a:lnSpc>
+              <a:spcBef>
+                <a:spcPts val="0"/>
+              </a:spcBef>
+              <a:spcAft>
+                <a:spcPts val="0"/>
+              </a:spcAft>
+              <a:buSzPts val="1100"/>
+              <a:buNone/>
+            </a:pPr>
+            <a:r>
+              <a:t/>
+            </a:r>
+            <a:endParaRPr/>
           </a:p>
         </p:txBody>
       </p:sp>
@@ -10544,8 +10916,8 @@
         </p:nvSpPr>
         <p:spPr>
           <a:xfrm>
-            <a:off x="196027" y="716603"/>
-            <a:ext cx="6552600" cy="392400"/>
+            <a:off x="196026" y="716600"/>
+            <a:ext cx="2643300" cy="392400"/>
           </a:xfrm>
           <a:prstGeom prst="rect">
             <a:avLst/>
@@ -13822,7 +14194,7 @@
       </p:grpSpPr>
       <p:sp>
         <p:nvSpPr>
-          <p:cNvPr id="206" name="Google Shape;206;g122ebe92d3d_0_63"/>
+          <p:cNvPr id="206" name="Google Shape;206;g27b62c34462_0_14"/>
           <p:cNvSpPr/>
           <p:nvPr/>
         </p:nvSpPr>
@@ -13884,7 +14256,7 @@
                 <a:cs typeface="Verdana"/>
                 <a:sym typeface="Verdana"/>
               </a:rPr>
-              <a:t>4</a:t>
+              <a:t>3</a:t>
             </a:r>
             <a:r>
               <a:rPr b="1" i="0" lang="en-GB" sz="2800" u="none" cap="none" strike="noStrike">
@@ -13896,19 +14268,7 @@
                 <a:cs typeface="Verdana"/>
                 <a:sym typeface="Verdana"/>
               </a:rPr>
-              <a:t> </a:t>
-            </a:r>
-            <a:r>
-              <a:rPr b="1" lang="en-GB" sz="2800">
-                <a:solidFill>
-                  <a:srgbClr val="2F4F78"/>
-                </a:solidFill>
-                <a:latin typeface="Verdana"/>
-                <a:ea typeface="Verdana"/>
-                <a:cs typeface="Verdana"/>
-                <a:sym typeface="Verdana"/>
-              </a:rPr>
-              <a:t>Conclusión</a:t>
+              <a:t> Análisis Exploratorio</a:t>
             </a:r>
             <a:endParaRPr b="0" i="0" sz="1400" u="none" cap="none" strike="noStrike">
               <a:solidFill>
@@ -13924,530 +14284,13 @@
       </p:sp>
       <p:sp>
         <p:nvSpPr>
-          <p:cNvPr id="207" name="Google Shape;207;g122ebe92d3d_0_63"/>
-          <p:cNvSpPr txBox="1"/>
-          <p:nvPr/>
-        </p:nvSpPr>
-        <p:spPr>
-          <a:xfrm>
-            <a:off x="260300" y="1287200"/>
-            <a:ext cx="8677500" cy="646500"/>
-          </a:xfrm>
-          <a:prstGeom prst="rect">
-            <a:avLst/>
-          </a:prstGeom>
-          <a:noFill/>
-          <a:ln>
-            <a:noFill/>
-          </a:ln>
-        </p:spPr>
-        <p:txBody>
-          <a:bodyPr anchorCtr="0" anchor="t" bIns="91425" lIns="91425" spcFirstLastPara="1" rIns="91425" wrap="square" tIns="91425">
-            <a:spAutoFit/>
-          </a:bodyPr>
-          <a:lstStyle/>
-          <a:p>
-            <a:pPr indent="0" lvl="0" marL="0" marR="0" rtl="0" algn="ctr">
-              <a:lnSpc>
-                <a:spcPct val="100000"/>
-              </a:lnSpc>
-              <a:spcBef>
-                <a:spcPts val="0"/>
-              </a:spcBef>
-              <a:spcAft>
-                <a:spcPts val="0"/>
-              </a:spcAft>
-              <a:buClr>
-                <a:srgbClr val="000000"/>
-              </a:buClr>
-              <a:buSzPts val="1600"/>
-              <a:buFont typeface="Arial"/>
-              <a:buNone/>
-            </a:pPr>
-            <a:r>
-              <a:rPr i="0" lang="en-GB" sz="1600" u="none" cap="none" strike="noStrike">
-                <a:solidFill>
-                  <a:srgbClr val="2F4F78"/>
-                </a:solidFill>
-                <a:latin typeface="Verdana"/>
-                <a:ea typeface="Verdana"/>
-                <a:cs typeface="Verdana"/>
-                <a:sym typeface="Verdana"/>
-              </a:rPr>
-              <a:t>E</a:t>
-            </a:r>
-            <a:r>
-              <a:rPr i="0" lang="en-GB" u="none" cap="none" strike="noStrike">
-                <a:solidFill>
-                  <a:srgbClr val="2F4F78"/>
-                </a:solidFill>
-                <a:latin typeface="Verdana"/>
-                <a:ea typeface="Verdana"/>
-                <a:cs typeface="Verdana"/>
-                <a:sym typeface="Verdana"/>
-              </a:rPr>
-              <a:t>l </a:t>
-            </a:r>
-            <a:r>
-              <a:rPr lang="en-GB">
-                <a:solidFill>
-                  <a:srgbClr val="2F4F78"/>
-                </a:solidFill>
-                <a:latin typeface="Verdana"/>
-                <a:ea typeface="Verdana"/>
-                <a:cs typeface="Verdana"/>
-                <a:sym typeface="Verdana"/>
-              </a:rPr>
-              <a:t>ITBA</a:t>
-            </a:r>
-            <a:r>
-              <a:rPr i="0" lang="en-GB" u="none" cap="none" strike="noStrike">
-                <a:solidFill>
-                  <a:srgbClr val="2F4F78"/>
-                </a:solidFill>
-                <a:latin typeface="Verdana"/>
-                <a:ea typeface="Verdana"/>
-                <a:cs typeface="Verdana"/>
-                <a:sym typeface="Verdana"/>
-              </a:rPr>
-              <a:t> necesita mejorar su </a:t>
-            </a:r>
-            <a:r>
-              <a:rPr lang="en-GB">
-                <a:solidFill>
-                  <a:srgbClr val="2F4F78"/>
-                </a:solidFill>
-                <a:latin typeface="Verdana"/>
-                <a:ea typeface="Verdana"/>
-                <a:cs typeface="Verdana"/>
-                <a:sym typeface="Verdana"/>
-              </a:rPr>
-              <a:t>planificación en relación a las distribuciones del espacio y la faltante de aulas. El análisis de datos </a:t>
-            </a:r>
-            <a:r>
-              <a:rPr i="0" lang="en-GB" u="none" cap="none" strike="noStrike">
-                <a:solidFill>
-                  <a:srgbClr val="2F4F78"/>
-                </a:solidFill>
-                <a:latin typeface="Verdana"/>
-                <a:ea typeface="Verdana"/>
-                <a:cs typeface="Verdana"/>
-                <a:sym typeface="Verdana"/>
-              </a:rPr>
-              <a:t>es clave para proponer soluciones </a:t>
-            </a:r>
-            <a:r>
-              <a:rPr lang="en-GB">
-                <a:solidFill>
-                  <a:srgbClr val="2F4F78"/>
-                </a:solidFill>
-                <a:latin typeface="Verdana"/>
-                <a:ea typeface="Verdana"/>
-                <a:cs typeface="Verdana"/>
-                <a:sym typeface="Verdana"/>
-              </a:rPr>
-              <a:t>fundadas</a:t>
-            </a:r>
-            <a:r>
-              <a:rPr i="0" lang="en-GB" u="none" cap="none" strike="noStrike">
-                <a:solidFill>
-                  <a:srgbClr val="2F4F78"/>
-                </a:solidFill>
-                <a:latin typeface="Verdana"/>
-                <a:ea typeface="Verdana"/>
-                <a:cs typeface="Verdana"/>
-                <a:sym typeface="Verdana"/>
-              </a:rPr>
-              <a:t>. </a:t>
-            </a:r>
-            <a:endParaRPr i="0" u="none" cap="none" strike="noStrike">
-              <a:solidFill>
-                <a:srgbClr val="2F4F78"/>
-              </a:solidFill>
-              <a:latin typeface="Verdana"/>
-              <a:ea typeface="Verdana"/>
-              <a:cs typeface="Verdana"/>
-              <a:sym typeface="Verdana"/>
-            </a:endParaRPr>
-          </a:p>
-        </p:txBody>
-      </p:sp>
-      <p:sp>
-        <p:nvSpPr>
-          <p:cNvPr id="208" name="Google Shape;208;g122ebe92d3d_0_63"/>
-          <p:cNvSpPr txBox="1"/>
-          <p:nvPr/>
-        </p:nvSpPr>
-        <p:spPr>
-          <a:xfrm>
-            <a:off x="430525" y="2161650"/>
-            <a:ext cx="8334000" cy="2486100"/>
-          </a:xfrm>
-          <a:prstGeom prst="rect">
-            <a:avLst/>
-          </a:prstGeom>
-          <a:noFill/>
-          <a:ln>
-            <a:noFill/>
-          </a:ln>
-        </p:spPr>
-        <p:txBody>
-          <a:bodyPr anchorCtr="0" anchor="t" bIns="91425" lIns="91425" spcFirstLastPara="1" rIns="91425" wrap="square" tIns="91425">
-            <a:noAutofit/>
-          </a:bodyPr>
-          <a:lstStyle/>
-          <a:p>
-            <a:pPr indent="-317500" lvl="0" marL="457200" marR="0" rtl="0" algn="l">
-              <a:lnSpc>
-                <a:spcPct val="200000"/>
-              </a:lnSpc>
-              <a:spcBef>
-                <a:spcPts val="0"/>
-              </a:spcBef>
-              <a:spcAft>
-                <a:spcPts val="0"/>
-              </a:spcAft>
-              <a:buClr>
-                <a:srgbClr val="2F4F78"/>
-              </a:buClr>
-              <a:buSzPts val="1400"/>
-              <a:buFont typeface="Verdana"/>
-              <a:buChar char="➔"/>
-            </a:pPr>
-            <a:r>
-              <a:rPr lang="en-GB">
-                <a:solidFill>
-                  <a:srgbClr val="2F4F78"/>
-                </a:solidFill>
-                <a:latin typeface="Verdana"/>
-                <a:ea typeface="Verdana"/>
-                <a:cs typeface="Verdana"/>
-                <a:sym typeface="Verdana"/>
-              </a:rPr>
-              <a:t>Correlación</a:t>
-            </a:r>
-            <a:r>
-              <a:rPr lang="en-GB">
-                <a:solidFill>
-                  <a:srgbClr val="2F4F78"/>
-                </a:solidFill>
-                <a:latin typeface="Verdana"/>
-                <a:ea typeface="Verdana"/>
-                <a:cs typeface="Verdana"/>
-                <a:sym typeface="Verdana"/>
-              </a:rPr>
-              <a:t> positiva entre cantidad de </a:t>
-            </a:r>
-            <a:r>
-              <a:rPr lang="en-GB">
-                <a:solidFill>
-                  <a:srgbClr val="2F4F78"/>
-                </a:solidFill>
-                <a:latin typeface="Verdana"/>
-                <a:ea typeface="Verdana"/>
-                <a:cs typeface="Verdana"/>
-                <a:sym typeface="Verdana"/>
-              </a:rPr>
-              <a:t>inscriptos</a:t>
-            </a:r>
-            <a:r>
-              <a:rPr lang="en-GB">
-                <a:solidFill>
-                  <a:srgbClr val="2F4F78"/>
-                </a:solidFill>
-                <a:latin typeface="Verdana"/>
-                <a:ea typeface="Verdana"/>
-                <a:cs typeface="Verdana"/>
-                <a:sym typeface="Verdana"/>
-              </a:rPr>
-              <a:t> y la capacidad.</a:t>
-            </a:r>
-            <a:endParaRPr>
-              <a:solidFill>
-                <a:srgbClr val="2F4F78"/>
-              </a:solidFill>
-              <a:latin typeface="Verdana"/>
-              <a:ea typeface="Verdana"/>
-              <a:cs typeface="Verdana"/>
-              <a:sym typeface="Verdana"/>
-            </a:endParaRPr>
-          </a:p>
-          <a:p>
-            <a:pPr indent="-317500" lvl="0" marL="457200" marR="0" rtl="0" algn="l">
-              <a:lnSpc>
-                <a:spcPct val="200000"/>
-              </a:lnSpc>
-              <a:spcBef>
-                <a:spcPts val="0"/>
-              </a:spcBef>
-              <a:spcAft>
-                <a:spcPts val="0"/>
-              </a:spcAft>
-              <a:buClr>
-                <a:srgbClr val="2F4F78"/>
-              </a:buClr>
-              <a:buSzPts val="1400"/>
-              <a:buFont typeface="Verdana"/>
-              <a:buChar char="➔"/>
-            </a:pPr>
-            <a:r>
-              <a:rPr lang="en-GB">
-                <a:solidFill>
-                  <a:srgbClr val="2F4F78"/>
-                </a:solidFill>
-                <a:latin typeface="Verdana"/>
-                <a:ea typeface="Verdana"/>
-                <a:cs typeface="Verdana"/>
-                <a:sym typeface="Verdana"/>
-              </a:rPr>
-              <a:t>La </a:t>
-            </a:r>
-            <a:r>
-              <a:rPr lang="en-GB">
-                <a:solidFill>
-                  <a:srgbClr val="2F4F78"/>
-                </a:solidFill>
-                <a:latin typeface="Verdana"/>
-                <a:ea typeface="Verdana"/>
-                <a:cs typeface="Verdana"/>
-                <a:sym typeface="Verdana"/>
-              </a:rPr>
-              <a:t>mayoría</a:t>
-            </a:r>
-            <a:r>
-              <a:rPr lang="en-GB">
-                <a:solidFill>
-                  <a:srgbClr val="2F4F78"/>
-                </a:solidFill>
-                <a:latin typeface="Verdana"/>
-                <a:ea typeface="Verdana"/>
-                <a:cs typeface="Verdana"/>
-                <a:sym typeface="Verdana"/>
-              </a:rPr>
-              <a:t> de las comisiones tienen una cantidad de inscriptos de entre 0 y 40.</a:t>
-            </a:r>
-            <a:endParaRPr>
-              <a:solidFill>
-                <a:srgbClr val="2F4F78"/>
-              </a:solidFill>
-              <a:latin typeface="Verdana"/>
-              <a:ea typeface="Verdana"/>
-              <a:cs typeface="Verdana"/>
-              <a:sym typeface="Verdana"/>
-            </a:endParaRPr>
-          </a:p>
-          <a:p>
-            <a:pPr indent="-317500" lvl="0" marL="457200" marR="0" rtl="0" algn="l">
-              <a:lnSpc>
-                <a:spcPct val="200000"/>
-              </a:lnSpc>
-              <a:spcBef>
-                <a:spcPts val="0"/>
-              </a:spcBef>
-              <a:spcAft>
-                <a:spcPts val="0"/>
-              </a:spcAft>
-              <a:buClr>
-                <a:srgbClr val="2F4F78"/>
-              </a:buClr>
-              <a:buSzPts val="1400"/>
-              <a:buFont typeface="Verdana"/>
-              <a:buChar char="➔"/>
-            </a:pPr>
-            <a:r>
-              <a:rPr lang="en-GB">
-                <a:solidFill>
-                  <a:srgbClr val="2F4F78"/>
-                </a:solidFill>
-                <a:latin typeface="Verdana"/>
-                <a:ea typeface="Verdana"/>
-                <a:cs typeface="Verdana"/>
-                <a:sym typeface="Verdana"/>
-              </a:rPr>
-              <a:t>Cada vez hay más alumnos, por lo que la facultad ofrece </a:t>
-            </a:r>
-            <a:r>
-              <a:rPr lang="en-GB">
-                <a:solidFill>
-                  <a:srgbClr val="2F4F78"/>
-                </a:solidFill>
-                <a:latin typeface="Verdana"/>
-                <a:ea typeface="Verdana"/>
-                <a:cs typeface="Verdana"/>
-                <a:sym typeface="Verdana"/>
-              </a:rPr>
-              <a:t>más</a:t>
-            </a:r>
-            <a:r>
-              <a:rPr lang="en-GB">
-                <a:solidFill>
-                  <a:srgbClr val="2F4F78"/>
-                </a:solidFill>
-                <a:latin typeface="Verdana"/>
-                <a:ea typeface="Verdana"/>
-                <a:cs typeface="Verdana"/>
-                <a:sym typeface="Verdana"/>
-              </a:rPr>
-              <a:t> </a:t>
-            </a:r>
-            <a:r>
-              <a:rPr lang="en-GB">
-                <a:solidFill>
-                  <a:srgbClr val="2F4F78"/>
-                </a:solidFill>
-                <a:latin typeface="Verdana"/>
-                <a:ea typeface="Verdana"/>
-                <a:cs typeface="Verdana"/>
-                <a:sym typeface="Verdana"/>
-              </a:rPr>
-              <a:t>créditos con el tiempo.</a:t>
-            </a:r>
-            <a:endParaRPr>
-              <a:solidFill>
-                <a:srgbClr val="2F4F78"/>
-              </a:solidFill>
-              <a:latin typeface="Verdana"/>
-              <a:ea typeface="Verdana"/>
-              <a:cs typeface="Verdana"/>
-              <a:sym typeface="Verdana"/>
-            </a:endParaRPr>
-          </a:p>
-          <a:p>
-            <a:pPr indent="-317500" lvl="0" marL="457200" marR="0" rtl="0" algn="l">
-              <a:lnSpc>
-                <a:spcPct val="150000"/>
-              </a:lnSpc>
-              <a:spcBef>
-                <a:spcPts val="0"/>
-              </a:spcBef>
-              <a:spcAft>
-                <a:spcPts val="0"/>
-              </a:spcAft>
-              <a:buClr>
-                <a:srgbClr val="2F4F78"/>
-              </a:buClr>
-              <a:buSzPts val="1400"/>
-              <a:buFont typeface="Verdana"/>
-              <a:buChar char="➔"/>
-            </a:pPr>
-            <a:r>
-              <a:rPr lang="en-GB">
-                <a:solidFill>
-                  <a:srgbClr val="2F4F78"/>
-                </a:solidFill>
-                <a:latin typeface="Verdana"/>
-                <a:ea typeface="Verdana"/>
-                <a:cs typeface="Verdana"/>
-                <a:sym typeface="Verdana"/>
-              </a:rPr>
-              <a:t>Existen casos en los que hay más inscriptos que capacidad,es decir, no va a haber lugar en las aulas para cursar. </a:t>
-            </a:r>
-            <a:endParaRPr>
-              <a:solidFill>
-                <a:srgbClr val="2F4F78"/>
-              </a:solidFill>
-              <a:latin typeface="Verdana"/>
-              <a:ea typeface="Verdana"/>
-              <a:cs typeface="Verdana"/>
-              <a:sym typeface="Verdana"/>
-            </a:endParaRPr>
-          </a:p>
-        </p:txBody>
-      </p:sp>
-    </p:spTree>
-  </p:cSld>
-  <p:clrMapOvr>
-    <a:masterClrMapping/>
-  </p:clrMapOvr>
-</p:sld>
-</file>
-
-<file path=ppt/slides/slide19.xml><?xml version="1.0" encoding="utf-8"?>
-<p:sld xmlns:a="http://schemas.openxmlformats.org/drawingml/2006/main" xmlns:r="http://schemas.openxmlformats.org/officeDocument/2006/relationships" xmlns:mc="http://schemas.openxmlformats.org/markup-compatibility/2006" xmlns:mv="urn:schemas-microsoft-com:mac:vml" xmlns:p="http://schemas.openxmlformats.org/presentationml/2006/main" xmlns:c="http://schemas.openxmlformats.org/drawingml/2006/chart" xmlns:dgm="http://schemas.openxmlformats.org/drawingml/2006/diagram" xmlns:o="urn:schemas-microsoft-com:office:office" xmlns:v="urn:schemas-microsoft-com:vml" xmlns:pvml="urn:schemas-microsoft-com:office:powerpoint" xmlns:com="http://schemas.openxmlformats.org/drawingml/2006/compatibility" xmlns:p14="http://schemas.microsoft.com/office/powerpoint/2010/main" xmlns:p15="http://schemas.microsoft.com/office/powerpoint/2012/main" xmlns:ahyp="http://schemas.microsoft.com/office/drawing/2018/hyperlinkcolor">
-  <p:cSld>
-    <p:spTree>
-      <p:nvGrpSpPr>
-        <p:cNvPr id="212" name="Shape 212"/>
-        <p:cNvGrpSpPr/>
-        <p:nvPr/>
-      </p:nvGrpSpPr>
-      <p:grpSpPr>
-        <a:xfrm>
-          <a:off x="0" y="0"/>
-          <a:ext cx="0" cy="0"/>
-          <a:chOff x="0" y="0"/>
-          <a:chExt cx="0" cy="0"/>
-        </a:xfrm>
-      </p:grpSpPr>
-      <p:sp>
-        <p:nvSpPr>
-          <p:cNvPr id="213" name="Google Shape;213;g122ebe92d3d_0_107"/>
-          <p:cNvSpPr txBox="1"/>
-          <p:nvPr>
-            <p:ph idx="12" type="sldNum"/>
-          </p:nvPr>
-        </p:nvSpPr>
-        <p:spPr>
-          <a:xfrm>
-            <a:off x="6457950" y="4767265"/>
-            <a:ext cx="2057400" cy="273900"/>
-          </a:xfrm>
-          <a:prstGeom prst="rect">
-            <a:avLst/>
-          </a:prstGeom>
-          <a:noFill/>
-          <a:ln>
-            <a:noFill/>
-          </a:ln>
-        </p:spPr>
-        <p:txBody>
-          <a:bodyPr anchorCtr="0" anchor="ctr" bIns="34275" lIns="68575" spcFirstLastPara="1" rIns="68575" wrap="square" tIns="34275">
-            <a:noAutofit/>
-          </a:bodyPr>
-          <a:lstStyle/>
-          <a:p>
-            <a:pPr indent="0" lvl="0" marL="0" rtl="0" algn="r">
-              <a:lnSpc>
-                <a:spcPct val="100000"/>
-              </a:lnSpc>
-              <a:spcBef>
-                <a:spcPts val="0"/>
-              </a:spcBef>
-              <a:spcAft>
-                <a:spcPts val="0"/>
-              </a:spcAft>
-              <a:buClr>
-                <a:srgbClr val="000000"/>
-              </a:buClr>
-              <a:buSzPts val="900"/>
-              <a:buFont typeface="Arial"/>
-              <a:buNone/>
-            </a:pPr>
-            <a:fld id="{00000000-1234-1234-1234-123412341234}" type="slidenum">
-              <a:rPr lang="en-GB" sz="900">
-                <a:solidFill>
-                  <a:srgbClr val="00B0F0"/>
-                </a:solidFill>
-              </a:rPr>
-              <a:t>‹#›</a:t>
-            </a:fld>
-            <a:endParaRPr sz="900">
-              <a:solidFill>
-                <a:srgbClr val="00B0F0"/>
-              </a:solidFill>
-            </a:endParaRPr>
-          </a:p>
-        </p:txBody>
-      </p:sp>
-      <p:sp>
-        <p:nvSpPr>
-          <p:cNvPr id="214" name="Google Shape;214;g122ebe92d3d_0_107"/>
+          <p:cNvPr id="207" name="Google Shape;207;g27b62c34462_0_14"/>
           <p:cNvSpPr/>
           <p:nvPr/>
         </p:nvSpPr>
         <p:spPr>
           <a:xfrm>
-            <a:off x="1295702" y="2455828"/>
+            <a:off x="258427" y="1282203"/>
             <a:ext cx="6552600" cy="392400"/>
           </a:xfrm>
           <a:prstGeom prst="rect">
@@ -14464,7 +14307,7 @@
           </a:bodyPr>
           <a:lstStyle/>
           <a:p>
-            <a:pPr indent="0" lvl="0" marL="0" marR="0" rtl="0" algn="ctr">
+            <a:pPr indent="0" lvl="0" marL="0" marR="0" rtl="0" algn="l">
               <a:lnSpc>
                 <a:spcPct val="100000"/>
               </a:lnSpc>
@@ -14482,20 +14325,20 @@
               <a:buNone/>
             </a:pPr>
             <a:r>
-              <a:rPr b="1" i="0" lang="en-GB" sz="2800" u="none" cap="none" strike="noStrike">
-                <a:solidFill>
-                  <a:schemeClr val="lt1"/>
-                </a:solidFill>
-                <a:latin typeface="Verdana"/>
-                <a:ea typeface="Verdana"/>
-                <a:cs typeface="Verdana"/>
-                <a:sym typeface="Verdana"/>
-              </a:rPr>
-              <a:t>Gracias!</a:t>
-            </a:r>
-            <a:endParaRPr b="0" i="0" sz="1400" u="none" cap="none" strike="noStrike">
+              <a:rPr b="1" lang="en-GB" sz="1500">
+                <a:solidFill>
+                  <a:srgbClr val="2F4F78"/>
+                </a:solidFill>
+                <a:latin typeface="Verdana"/>
+                <a:ea typeface="Verdana"/>
+                <a:cs typeface="Verdana"/>
+                <a:sym typeface="Verdana"/>
+              </a:rPr>
+              <a:t>Cambio de plan de estudios</a:t>
+            </a:r>
+            <a:endParaRPr b="1" sz="1500">
               <a:solidFill>
-                <a:schemeClr val="lt1"/>
+                <a:srgbClr val="2F4F78"/>
               </a:solidFill>
               <a:latin typeface="Verdana"/>
               <a:ea typeface="Verdana"/>
@@ -14505,6 +14348,205 @@
           </a:p>
         </p:txBody>
       </p:sp>
+      <p:pic>
+        <p:nvPicPr>
+          <p:cNvPr id="208" name="Google Shape;208;g27b62c34462_0_14"/>
+          <p:cNvPicPr preferRelativeResize="0"/>
+          <p:nvPr/>
+        </p:nvPicPr>
+        <p:blipFill>
+          <a:blip r:embed="rId3">
+            <a:alphaModFix/>
+          </a:blip>
+          <a:stretch>
+            <a:fillRect/>
+          </a:stretch>
+        </p:blipFill>
+        <p:spPr>
+          <a:xfrm>
+            <a:off x="152400" y="1827003"/>
+            <a:ext cx="4004090" cy="3164097"/>
+          </a:xfrm>
+          <a:prstGeom prst="rect">
+            <a:avLst/>
+          </a:prstGeom>
+          <a:noFill/>
+          <a:ln>
+            <a:noFill/>
+          </a:ln>
+        </p:spPr>
+      </p:pic>
+      <p:pic>
+        <p:nvPicPr>
+          <p:cNvPr id="209" name="Google Shape;209;g27b62c34462_0_14"/>
+          <p:cNvPicPr preferRelativeResize="0"/>
+          <p:nvPr/>
+        </p:nvPicPr>
+        <p:blipFill>
+          <a:blip r:embed="rId4">
+            <a:alphaModFix/>
+          </a:blip>
+          <a:stretch>
+            <a:fillRect/>
+          </a:stretch>
+        </p:blipFill>
+        <p:spPr>
+          <a:xfrm>
+            <a:off x="4308890" y="1827003"/>
+            <a:ext cx="4004090" cy="3164097"/>
+          </a:xfrm>
+          <a:prstGeom prst="rect">
+            <a:avLst/>
+          </a:prstGeom>
+          <a:noFill/>
+          <a:ln>
+            <a:noFill/>
+          </a:ln>
+        </p:spPr>
+      </p:pic>
+    </p:spTree>
+  </p:cSld>
+  <p:clrMapOvr>
+    <a:masterClrMapping/>
+  </p:clrMapOvr>
+</p:sld>
+</file>
+
+<file path=ppt/slides/slide19.xml><?xml version="1.0" encoding="utf-8"?>
+<p:sld xmlns:a="http://schemas.openxmlformats.org/drawingml/2006/main" xmlns:r="http://schemas.openxmlformats.org/officeDocument/2006/relationships" xmlns:mc="http://schemas.openxmlformats.org/markup-compatibility/2006" xmlns:mv="urn:schemas-microsoft-com:mac:vml" xmlns:p="http://schemas.openxmlformats.org/presentationml/2006/main" xmlns:c="http://schemas.openxmlformats.org/drawingml/2006/chart" xmlns:dgm="http://schemas.openxmlformats.org/drawingml/2006/diagram" xmlns:o="urn:schemas-microsoft-com:office:office" xmlns:v="urn:schemas-microsoft-com:vml" xmlns:pvml="urn:schemas-microsoft-com:office:powerpoint" xmlns:com="http://schemas.openxmlformats.org/drawingml/2006/compatibility" xmlns:p14="http://schemas.microsoft.com/office/powerpoint/2010/main" xmlns:p15="http://schemas.microsoft.com/office/powerpoint/2012/main" xmlns:ahyp="http://schemas.microsoft.com/office/drawing/2018/hyperlinkcolor">
+  <p:cSld>
+    <p:spTree>
+      <p:nvGrpSpPr>
+        <p:cNvPr id="214" name="Shape 214"/>
+        <p:cNvGrpSpPr/>
+        <p:nvPr/>
+      </p:nvGrpSpPr>
+      <p:grpSpPr>
+        <a:xfrm>
+          <a:off x="0" y="0"/>
+          <a:ext cx="0" cy="0"/>
+          <a:chOff x="0" y="0"/>
+          <a:chExt cx="0" cy="0"/>
+        </a:xfrm>
+      </p:grpSpPr>
+      <p:sp>
+        <p:nvSpPr>
+          <p:cNvPr id="215" name="Google Shape;215;g27b62c34462_0_6"/>
+          <p:cNvSpPr/>
+          <p:nvPr/>
+        </p:nvSpPr>
+        <p:spPr>
+          <a:xfrm>
+            <a:off x="196027" y="716603"/>
+            <a:ext cx="6552600" cy="392400"/>
+          </a:xfrm>
+          <a:prstGeom prst="rect">
+            <a:avLst/>
+          </a:prstGeom>
+          <a:noFill/>
+          <a:ln>
+            <a:noFill/>
+          </a:ln>
+        </p:spPr>
+        <p:txBody>
+          <a:bodyPr anchorCtr="0" anchor="t" bIns="45700" lIns="91425" spcFirstLastPara="1" rIns="91425" wrap="square" tIns="45700">
+            <a:noAutofit/>
+          </a:bodyPr>
+          <a:lstStyle/>
+          <a:p>
+            <a:pPr indent="0" lvl="0" marL="0" marR="0" rtl="0" algn="l">
+              <a:lnSpc>
+                <a:spcPct val="100000"/>
+              </a:lnSpc>
+              <a:spcBef>
+                <a:spcPts val="0"/>
+              </a:spcBef>
+              <a:spcAft>
+                <a:spcPts val="0"/>
+              </a:spcAft>
+              <a:buClr>
+                <a:srgbClr val="000000"/>
+              </a:buClr>
+              <a:buSzPts val="2800"/>
+              <a:buFont typeface="Arial"/>
+              <a:buNone/>
+            </a:pPr>
+            <a:r>
+              <a:rPr b="1" i="0" lang="en-GB" sz="2800" u="none" cap="none" strike="noStrike">
+                <a:solidFill>
+                  <a:srgbClr val="2F4F78"/>
+                </a:solidFill>
+                <a:latin typeface="Verdana"/>
+                <a:ea typeface="Verdana"/>
+                <a:cs typeface="Verdana"/>
+                <a:sym typeface="Verdana"/>
+              </a:rPr>
+              <a:t>0</a:t>
+            </a:r>
+            <a:r>
+              <a:rPr b="1" lang="en-GB" sz="2800">
+                <a:solidFill>
+                  <a:srgbClr val="2F4F78"/>
+                </a:solidFill>
+                <a:latin typeface="Verdana"/>
+                <a:ea typeface="Verdana"/>
+                <a:cs typeface="Verdana"/>
+                <a:sym typeface="Verdana"/>
+              </a:rPr>
+              <a:t>3</a:t>
+            </a:r>
+            <a:r>
+              <a:rPr b="1" i="0" lang="en-GB" sz="2800" u="none" cap="none" strike="noStrike">
+                <a:solidFill>
+                  <a:srgbClr val="2F4F78"/>
+                </a:solidFill>
+                <a:latin typeface="Verdana"/>
+                <a:ea typeface="Verdana"/>
+                <a:cs typeface="Verdana"/>
+                <a:sym typeface="Verdana"/>
+              </a:rPr>
+              <a:t> Análisis Exploratorio</a:t>
+            </a:r>
+            <a:endParaRPr b="0" i="0" sz="1400" u="none" cap="none" strike="noStrike">
+              <a:solidFill>
+                <a:srgbClr val="2F4F78"/>
+              </a:solidFill>
+              <a:latin typeface="Verdana"/>
+              <a:ea typeface="Verdana"/>
+              <a:cs typeface="Verdana"/>
+              <a:sym typeface="Verdana"/>
+            </a:endParaRPr>
+          </a:p>
+        </p:txBody>
+      </p:sp>
+      <p:pic>
+        <p:nvPicPr>
+          <p:cNvPr id="216" name="Google Shape;216;g27b62c34462_0_6"/>
+          <p:cNvPicPr preferRelativeResize="0"/>
+          <p:nvPr/>
+        </p:nvPicPr>
+        <p:blipFill>
+          <a:blip r:embed="rId3">
+            <a:alphaModFix/>
+          </a:blip>
+          <a:stretch>
+            <a:fillRect/>
+          </a:stretch>
+        </p:blipFill>
+        <p:spPr>
+          <a:xfrm>
+            <a:off x="2371850" y="1329450"/>
+            <a:ext cx="4400299" cy="3477176"/>
+          </a:xfrm>
+          <a:prstGeom prst="rect">
+            <a:avLst/>
+          </a:prstGeom>
+          <a:noFill/>
+          <a:ln>
+            <a:noFill/>
+          </a:ln>
+        </p:spPr>
+      </p:pic>
     </p:spTree>
   </p:cSld>
   <p:clrMapOvr>
@@ -14903,6 +14945,716 @@
           </a:ln>
         </p:spPr>
       </p:pic>
+    </p:spTree>
+  </p:cSld>
+  <p:clrMapOvr>
+    <a:masterClrMapping/>
+  </p:clrMapOvr>
+</p:sld>
+</file>
+
+<file path=ppt/slides/slide20.xml><?xml version="1.0" encoding="utf-8"?>
+<p:sld xmlns:a="http://schemas.openxmlformats.org/drawingml/2006/main" xmlns:r="http://schemas.openxmlformats.org/officeDocument/2006/relationships" xmlns:mc="http://schemas.openxmlformats.org/markup-compatibility/2006" xmlns:mv="urn:schemas-microsoft-com:mac:vml" xmlns:p="http://schemas.openxmlformats.org/presentationml/2006/main" xmlns:c="http://schemas.openxmlformats.org/drawingml/2006/chart" xmlns:dgm="http://schemas.openxmlformats.org/drawingml/2006/diagram" xmlns:o="urn:schemas-microsoft-com:office:office" xmlns:v="urn:schemas-microsoft-com:vml" xmlns:pvml="urn:schemas-microsoft-com:office:powerpoint" xmlns:com="http://schemas.openxmlformats.org/drawingml/2006/compatibility" xmlns:p14="http://schemas.microsoft.com/office/powerpoint/2010/main" xmlns:p15="http://schemas.microsoft.com/office/powerpoint/2012/main" xmlns:ahyp="http://schemas.microsoft.com/office/drawing/2018/hyperlinkcolor">
+  <p:cSld>
+    <p:spTree>
+      <p:nvGrpSpPr>
+        <p:cNvPr id="221" name="Shape 221"/>
+        <p:cNvGrpSpPr/>
+        <p:nvPr/>
+      </p:nvGrpSpPr>
+      <p:grpSpPr>
+        <a:xfrm>
+          <a:off x="0" y="0"/>
+          <a:ext cx="0" cy="0"/>
+          <a:chOff x="0" y="0"/>
+          <a:chExt cx="0" cy="0"/>
+        </a:xfrm>
+      </p:grpSpPr>
+      <p:sp>
+        <p:nvSpPr>
+          <p:cNvPr id="222" name="Google Shape;222;g122ebe92d3d_0_63"/>
+          <p:cNvSpPr/>
+          <p:nvPr/>
+        </p:nvSpPr>
+        <p:spPr>
+          <a:xfrm>
+            <a:off x="196027" y="716603"/>
+            <a:ext cx="6552600" cy="392400"/>
+          </a:xfrm>
+          <a:prstGeom prst="rect">
+            <a:avLst/>
+          </a:prstGeom>
+          <a:noFill/>
+          <a:ln>
+            <a:noFill/>
+          </a:ln>
+        </p:spPr>
+        <p:txBody>
+          <a:bodyPr anchorCtr="0" anchor="t" bIns="45700" lIns="91425" spcFirstLastPara="1" rIns="91425" wrap="square" tIns="45700">
+            <a:noAutofit/>
+          </a:bodyPr>
+          <a:lstStyle/>
+          <a:p>
+            <a:pPr indent="0" lvl="0" marL="0" marR="0" rtl="0" algn="l">
+              <a:lnSpc>
+                <a:spcPct val="100000"/>
+              </a:lnSpc>
+              <a:spcBef>
+                <a:spcPts val="0"/>
+              </a:spcBef>
+              <a:spcAft>
+                <a:spcPts val="0"/>
+              </a:spcAft>
+              <a:buClr>
+                <a:srgbClr val="000000"/>
+              </a:buClr>
+              <a:buSzPts val="2800"/>
+              <a:buFont typeface="Arial"/>
+              <a:buNone/>
+            </a:pPr>
+            <a:r>
+              <a:rPr b="1" i="0" lang="en-GB" sz="2800" u="none" cap="none" strike="noStrike">
+                <a:solidFill>
+                  <a:srgbClr val="2F4F78"/>
+                </a:solidFill>
+                <a:latin typeface="Verdana"/>
+                <a:ea typeface="Verdana"/>
+                <a:cs typeface="Verdana"/>
+                <a:sym typeface="Verdana"/>
+              </a:rPr>
+              <a:t>0</a:t>
+            </a:r>
+            <a:r>
+              <a:rPr b="1" lang="en-GB" sz="2800">
+                <a:solidFill>
+                  <a:srgbClr val="2F4F78"/>
+                </a:solidFill>
+                <a:latin typeface="Verdana"/>
+                <a:ea typeface="Verdana"/>
+                <a:cs typeface="Verdana"/>
+                <a:sym typeface="Verdana"/>
+              </a:rPr>
+              <a:t>4</a:t>
+            </a:r>
+            <a:r>
+              <a:rPr b="1" i="0" lang="en-GB" sz="2800" u="none" cap="none" strike="noStrike">
+                <a:solidFill>
+                  <a:srgbClr val="2F4F78"/>
+                </a:solidFill>
+                <a:latin typeface="Verdana"/>
+                <a:ea typeface="Verdana"/>
+                <a:cs typeface="Verdana"/>
+                <a:sym typeface="Verdana"/>
+              </a:rPr>
+              <a:t> </a:t>
+            </a:r>
+            <a:r>
+              <a:rPr b="1" lang="en-GB" sz="2800">
+                <a:solidFill>
+                  <a:srgbClr val="2F4F78"/>
+                </a:solidFill>
+                <a:latin typeface="Verdana"/>
+                <a:ea typeface="Verdana"/>
+                <a:cs typeface="Verdana"/>
+                <a:sym typeface="Verdana"/>
+              </a:rPr>
+              <a:t>Conclusión</a:t>
+            </a:r>
+            <a:endParaRPr b="0" i="0" sz="1400" u="none" cap="none" strike="noStrike">
+              <a:solidFill>
+                <a:srgbClr val="2F4F78"/>
+              </a:solidFill>
+              <a:latin typeface="Verdana"/>
+              <a:ea typeface="Verdana"/>
+              <a:cs typeface="Verdana"/>
+              <a:sym typeface="Verdana"/>
+            </a:endParaRPr>
+          </a:p>
+        </p:txBody>
+      </p:sp>
+      <p:sp>
+        <p:nvSpPr>
+          <p:cNvPr id="223" name="Google Shape;223;g122ebe92d3d_0_63"/>
+          <p:cNvSpPr txBox="1"/>
+          <p:nvPr/>
+        </p:nvSpPr>
+        <p:spPr>
+          <a:xfrm>
+            <a:off x="260300" y="1287200"/>
+            <a:ext cx="8677500" cy="646500"/>
+          </a:xfrm>
+          <a:prstGeom prst="rect">
+            <a:avLst/>
+          </a:prstGeom>
+          <a:noFill/>
+          <a:ln>
+            <a:noFill/>
+          </a:ln>
+        </p:spPr>
+        <p:txBody>
+          <a:bodyPr anchorCtr="0" anchor="t" bIns="91425" lIns="91425" spcFirstLastPara="1" rIns="91425" wrap="square" tIns="91425">
+            <a:spAutoFit/>
+          </a:bodyPr>
+          <a:lstStyle/>
+          <a:p>
+            <a:pPr indent="0" lvl="0" marL="0" marR="0" rtl="0" algn="ctr">
+              <a:lnSpc>
+                <a:spcPct val="100000"/>
+              </a:lnSpc>
+              <a:spcBef>
+                <a:spcPts val="0"/>
+              </a:spcBef>
+              <a:spcAft>
+                <a:spcPts val="0"/>
+              </a:spcAft>
+              <a:buClr>
+                <a:srgbClr val="000000"/>
+              </a:buClr>
+              <a:buSzPts val="1600"/>
+              <a:buFont typeface="Arial"/>
+              <a:buNone/>
+            </a:pPr>
+            <a:r>
+              <a:rPr i="0" lang="en-GB" sz="1600" u="none" cap="none" strike="noStrike">
+                <a:solidFill>
+                  <a:srgbClr val="2F4F78"/>
+                </a:solidFill>
+                <a:latin typeface="Verdana"/>
+                <a:ea typeface="Verdana"/>
+                <a:cs typeface="Verdana"/>
+                <a:sym typeface="Verdana"/>
+              </a:rPr>
+              <a:t>E</a:t>
+            </a:r>
+            <a:r>
+              <a:rPr i="0" lang="en-GB" u="none" cap="none" strike="noStrike">
+                <a:solidFill>
+                  <a:srgbClr val="2F4F78"/>
+                </a:solidFill>
+                <a:latin typeface="Verdana"/>
+                <a:ea typeface="Verdana"/>
+                <a:cs typeface="Verdana"/>
+                <a:sym typeface="Verdana"/>
+              </a:rPr>
+              <a:t>l </a:t>
+            </a:r>
+            <a:r>
+              <a:rPr lang="en-GB">
+                <a:solidFill>
+                  <a:srgbClr val="2F4F78"/>
+                </a:solidFill>
+                <a:latin typeface="Verdana"/>
+                <a:ea typeface="Verdana"/>
+                <a:cs typeface="Verdana"/>
+                <a:sym typeface="Verdana"/>
+              </a:rPr>
+              <a:t>ITBA</a:t>
+            </a:r>
+            <a:r>
+              <a:rPr i="0" lang="en-GB" u="none" cap="none" strike="noStrike">
+                <a:solidFill>
+                  <a:srgbClr val="2F4F78"/>
+                </a:solidFill>
+                <a:latin typeface="Verdana"/>
+                <a:ea typeface="Verdana"/>
+                <a:cs typeface="Verdana"/>
+                <a:sym typeface="Verdana"/>
+              </a:rPr>
+              <a:t> necesita mejorar su </a:t>
+            </a:r>
+            <a:r>
+              <a:rPr lang="en-GB">
+                <a:solidFill>
+                  <a:srgbClr val="2F4F78"/>
+                </a:solidFill>
+                <a:latin typeface="Verdana"/>
+                <a:ea typeface="Verdana"/>
+                <a:cs typeface="Verdana"/>
+                <a:sym typeface="Verdana"/>
+              </a:rPr>
+              <a:t>planificación en relación a las distribuciones del espacio y la faltante de aulas. El análisis de datos </a:t>
+            </a:r>
+            <a:r>
+              <a:rPr i="0" lang="en-GB" u="none" cap="none" strike="noStrike">
+                <a:solidFill>
+                  <a:srgbClr val="2F4F78"/>
+                </a:solidFill>
+                <a:latin typeface="Verdana"/>
+                <a:ea typeface="Verdana"/>
+                <a:cs typeface="Verdana"/>
+                <a:sym typeface="Verdana"/>
+              </a:rPr>
+              <a:t>es clave para proponer soluciones </a:t>
+            </a:r>
+            <a:r>
+              <a:rPr lang="en-GB">
+                <a:solidFill>
+                  <a:srgbClr val="2F4F78"/>
+                </a:solidFill>
+                <a:latin typeface="Verdana"/>
+                <a:ea typeface="Verdana"/>
+                <a:cs typeface="Verdana"/>
+                <a:sym typeface="Verdana"/>
+              </a:rPr>
+              <a:t>fundadas</a:t>
+            </a:r>
+            <a:r>
+              <a:rPr i="0" lang="en-GB" u="none" cap="none" strike="noStrike">
+                <a:solidFill>
+                  <a:srgbClr val="2F4F78"/>
+                </a:solidFill>
+                <a:latin typeface="Verdana"/>
+                <a:ea typeface="Verdana"/>
+                <a:cs typeface="Verdana"/>
+                <a:sym typeface="Verdana"/>
+              </a:rPr>
+              <a:t>. </a:t>
+            </a:r>
+            <a:endParaRPr i="0" u="none" cap="none" strike="noStrike">
+              <a:solidFill>
+                <a:srgbClr val="2F4F78"/>
+              </a:solidFill>
+              <a:latin typeface="Verdana"/>
+              <a:ea typeface="Verdana"/>
+              <a:cs typeface="Verdana"/>
+              <a:sym typeface="Verdana"/>
+            </a:endParaRPr>
+          </a:p>
+        </p:txBody>
+      </p:sp>
+      <p:sp>
+        <p:nvSpPr>
+          <p:cNvPr id="224" name="Google Shape;224;g122ebe92d3d_0_63"/>
+          <p:cNvSpPr txBox="1"/>
+          <p:nvPr/>
+        </p:nvSpPr>
+        <p:spPr>
+          <a:xfrm>
+            <a:off x="430525" y="2161650"/>
+            <a:ext cx="8334000" cy="2486100"/>
+          </a:xfrm>
+          <a:prstGeom prst="rect">
+            <a:avLst/>
+          </a:prstGeom>
+          <a:noFill/>
+          <a:ln>
+            <a:noFill/>
+          </a:ln>
+        </p:spPr>
+        <p:txBody>
+          <a:bodyPr anchorCtr="0" anchor="t" bIns="91425" lIns="91425" spcFirstLastPara="1" rIns="91425" wrap="square" tIns="91425">
+            <a:noAutofit/>
+          </a:bodyPr>
+          <a:lstStyle/>
+          <a:p>
+            <a:pPr indent="-317500" lvl="0" marL="457200" marR="0" rtl="0" algn="l">
+              <a:lnSpc>
+                <a:spcPct val="200000"/>
+              </a:lnSpc>
+              <a:spcBef>
+                <a:spcPts val="0"/>
+              </a:spcBef>
+              <a:spcAft>
+                <a:spcPts val="0"/>
+              </a:spcAft>
+              <a:buClr>
+                <a:srgbClr val="2F4F78"/>
+              </a:buClr>
+              <a:buSzPts val="1400"/>
+              <a:buFont typeface="Verdana"/>
+              <a:buChar char="➔"/>
+            </a:pPr>
+            <a:r>
+              <a:rPr lang="en-GB">
+                <a:solidFill>
+                  <a:srgbClr val="2F4F78"/>
+                </a:solidFill>
+                <a:latin typeface="Verdana"/>
+                <a:ea typeface="Verdana"/>
+                <a:cs typeface="Verdana"/>
+                <a:sym typeface="Verdana"/>
+              </a:rPr>
+              <a:t>Correlación</a:t>
+            </a:r>
+            <a:r>
+              <a:rPr lang="en-GB">
+                <a:solidFill>
+                  <a:srgbClr val="2F4F78"/>
+                </a:solidFill>
+                <a:latin typeface="Verdana"/>
+                <a:ea typeface="Verdana"/>
+                <a:cs typeface="Verdana"/>
+                <a:sym typeface="Verdana"/>
+              </a:rPr>
+              <a:t> positiva entre cantidad de </a:t>
+            </a:r>
+            <a:r>
+              <a:rPr lang="en-GB">
+                <a:solidFill>
+                  <a:srgbClr val="2F4F78"/>
+                </a:solidFill>
+                <a:latin typeface="Verdana"/>
+                <a:ea typeface="Verdana"/>
+                <a:cs typeface="Verdana"/>
+                <a:sym typeface="Verdana"/>
+              </a:rPr>
+              <a:t>inscriptos</a:t>
+            </a:r>
+            <a:r>
+              <a:rPr lang="en-GB">
+                <a:solidFill>
+                  <a:srgbClr val="2F4F78"/>
+                </a:solidFill>
+                <a:latin typeface="Verdana"/>
+                <a:ea typeface="Verdana"/>
+                <a:cs typeface="Verdana"/>
+                <a:sym typeface="Verdana"/>
+              </a:rPr>
+              <a:t> y la capacidad.</a:t>
+            </a:r>
+            <a:endParaRPr>
+              <a:solidFill>
+                <a:srgbClr val="2F4F78"/>
+              </a:solidFill>
+              <a:latin typeface="Verdana"/>
+              <a:ea typeface="Verdana"/>
+              <a:cs typeface="Verdana"/>
+              <a:sym typeface="Verdana"/>
+            </a:endParaRPr>
+          </a:p>
+          <a:p>
+            <a:pPr indent="-317500" lvl="0" marL="457200" marR="0" rtl="0" algn="l">
+              <a:lnSpc>
+                <a:spcPct val="200000"/>
+              </a:lnSpc>
+              <a:spcBef>
+                <a:spcPts val="0"/>
+              </a:spcBef>
+              <a:spcAft>
+                <a:spcPts val="0"/>
+              </a:spcAft>
+              <a:buClr>
+                <a:srgbClr val="2F4F78"/>
+              </a:buClr>
+              <a:buSzPts val="1400"/>
+              <a:buFont typeface="Verdana"/>
+              <a:buChar char="➔"/>
+            </a:pPr>
+            <a:r>
+              <a:rPr lang="en-GB">
+                <a:solidFill>
+                  <a:srgbClr val="2F4F78"/>
+                </a:solidFill>
+                <a:latin typeface="Verdana"/>
+                <a:ea typeface="Verdana"/>
+                <a:cs typeface="Verdana"/>
+                <a:sym typeface="Verdana"/>
+              </a:rPr>
+              <a:t>La </a:t>
+            </a:r>
+            <a:r>
+              <a:rPr lang="en-GB">
+                <a:solidFill>
+                  <a:srgbClr val="2F4F78"/>
+                </a:solidFill>
+                <a:latin typeface="Verdana"/>
+                <a:ea typeface="Verdana"/>
+                <a:cs typeface="Verdana"/>
+                <a:sym typeface="Verdana"/>
+              </a:rPr>
+              <a:t>mayoría</a:t>
+            </a:r>
+            <a:r>
+              <a:rPr lang="en-GB">
+                <a:solidFill>
+                  <a:srgbClr val="2F4F78"/>
+                </a:solidFill>
+                <a:latin typeface="Verdana"/>
+                <a:ea typeface="Verdana"/>
+                <a:cs typeface="Verdana"/>
+                <a:sym typeface="Verdana"/>
+              </a:rPr>
+              <a:t> de las comisiones tienen una cantidad de inscriptos de entre 0 y 40.</a:t>
+            </a:r>
+            <a:endParaRPr>
+              <a:solidFill>
+                <a:srgbClr val="2F4F78"/>
+              </a:solidFill>
+              <a:latin typeface="Verdana"/>
+              <a:ea typeface="Verdana"/>
+              <a:cs typeface="Verdana"/>
+              <a:sym typeface="Verdana"/>
+            </a:endParaRPr>
+          </a:p>
+          <a:p>
+            <a:pPr indent="-317500" lvl="0" marL="457200" marR="0" rtl="0" algn="l">
+              <a:lnSpc>
+                <a:spcPct val="200000"/>
+              </a:lnSpc>
+              <a:spcBef>
+                <a:spcPts val="0"/>
+              </a:spcBef>
+              <a:spcAft>
+                <a:spcPts val="0"/>
+              </a:spcAft>
+              <a:buClr>
+                <a:srgbClr val="2F4F78"/>
+              </a:buClr>
+              <a:buSzPts val="1400"/>
+              <a:buFont typeface="Verdana"/>
+              <a:buChar char="➔"/>
+            </a:pPr>
+            <a:r>
+              <a:rPr lang="en-GB">
+                <a:solidFill>
+                  <a:srgbClr val="2F4F78"/>
+                </a:solidFill>
+                <a:latin typeface="Verdana"/>
+                <a:ea typeface="Verdana"/>
+                <a:cs typeface="Verdana"/>
+                <a:sym typeface="Verdana"/>
+              </a:rPr>
+              <a:t>Cada vez hay más alumnos, por lo que la facultad ofrece </a:t>
+            </a:r>
+            <a:r>
+              <a:rPr lang="en-GB">
+                <a:solidFill>
+                  <a:srgbClr val="2F4F78"/>
+                </a:solidFill>
+                <a:latin typeface="Verdana"/>
+                <a:ea typeface="Verdana"/>
+                <a:cs typeface="Verdana"/>
+                <a:sym typeface="Verdana"/>
+              </a:rPr>
+              <a:t>más</a:t>
+            </a:r>
+            <a:r>
+              <a:rPr lang="en-GB">
+                <a:solidFill>
+                  <a:srgbClr val="2F4F78"/>
+                </a:solidFill>
+                <a:latin typeface="Verdana"/>
+                <a:ea typeface="Verdana"/>
+                <a:cs typeface="Verdana"/>
+                <a:sym typeface="Verdana"/>
+              </a:rPr>
+              <a:t> </a:t>
+            </a:r>
+            <a:r>
+              <a:rPr lang="en-GB">
+                <a:solidFill>
+                  <a:srgbClr val="2F4F78"/>
+                </a:solidFill>
+                <a:latin typeface="Verdana"/>
+                <a:ea typeface="Verdana"/>
+                <a:cs typeface="Verdana"/>
+                <a:sym typeface="Verdana"/>
+              </a:rPr>
+              <a:t>créditos con el tiempo.</a:t>
+            </a:r>
+            <a:endParaRPr>
+              <a:solidFill>
+                <a:srgbClr val="2F4F78"/>
+              </a:solidFill>
+              <a:latin typeface="Verdana"/>
+              <a:ea typeface="Verdana"/>
+              <a:cs typeface="Verdana"/>
+              <a:sym typeface="Verdana"/>
+            </a:endParaRPr>
+          </a:p>
+          <a:p>
+            <a:pPr indent="-317500" lvl="0" marL="457200" marR="0" rtl="0" algn="l">
+              <a:lnSpc>
+                <a:spcPct val="150000"/>
+              </a:lnSpc>
+              <a:spcBef>
+                <a:spcPts val="0"/>
+              </a:spcBef>
+              <a:spcAft>
+                <a:spcPts val="0"/>
+              </a:spcAft>
+              <a:buClr>
+                <a:srgbClr val="2F4F78"/>
+              </a:buClr>
+              <a:buSzPts val="1400"/>
+              <a:buFont typeface="Verdana"/>
+              <a:buChar char="➔"/>
+            </a:pPr>
+            <a:r>
+              <a:rPr lang="en-GB">
+                <a:solidFill>
+                  <a:srgbClr val="2F4F78"/>
+                </a:solidFill>
+                <a:latin typeface="Verdana"/>
+                <a:ea typeface="Verdana"/>
+                <a:cs typeface="Verdana"/>
+                <a:sym typeface="Verdana"/>
+              </a:rPr>
+              <a:t>Existen casos en los que hay más inscriptos que capacidad,es decir, no va a haber lugar en las aulas para cursar. </a:t>
+            </a:r>
+            <a:endParaRPr>
+              <a:solidFill>
+                <a:srgbClr val="2F4F78"/>
+              </a:solidFill>
+              <a:latin typeface="Verdana"/>
+              <a:ea typeface="Verdana"/>
+              <a:cs typeface="Verdana"/>
+              <a:sym typeface="Verdana"/>
+            </a:endParaRPr>
+          </a:p>
+        </p:txBody>
+      </p:sp>
+    </p:spTree>
+  </p:cSld>
+  <p:clrMapOvr>
+    <a:masterClrMapping/>
+  </p:clrMapOvr>
+</p:sld>
+</file>
+
+<file path=ppt/slides/slide21.xml><?xml version="1.0" encoding="utf-8"?>
+<p:sld xmlns:a="http://schemas.openxmlformats.org/drawingml/2006/main" xmlns:r="http://schemas.openxmlformats.org/officeDocument/2006/relationships" xmlns:mc="http://schemas.openxmlformats.org/markup-compatibility/2006" xmlns:mv="urn:schemas-microsoft-com:mac:vml" xmlns:p="http://schemas.openxmlformats.org/presentationml/2006/main" xmlns:c="http://schemas.openxmlformats.org/drawingml/2006/chart" xmlns:dgm="http://schemas.openxmlformats.org/drawingml/2006/diagram" xmlns:o="urn:schemas-microsoft-com:office:office" xmlns:v="urn:schemas-microsoft-com:vml" xmlns:pvml="urn:schemas-microsoft-com:office:powerpoint" xmlns:com="http://schemas.openxmlformats.org/drawingml/2006/compatibility" xmlns:p14="http://schemas.microsoft.com/office/powerpoint/2010/main" xmlns:p15="http://schemas.microsoft.com/office/powerpoint/2012/main" xmlns:ahyp="http://schemas.microsoft.com/office/drawing/2018/hyperlinkcolor">
+  <p:cSld>
+    <p:spTree>
+      <p:nvGrpSpPr>
+        <p:cNvPr id="228" name="Shape 228"/>
+        <p:cNvGrpSpPr/>
+        <p:nvPr/>
+      </p:nvGrpSpPr>
+      <p:grpSpPr>
+        <a:xfrm>
+          <a:off x="0" y="0"/>
+          <a:ext cx="0" cy="0"/>
+          <a:chOff x="0" y="0"/>
+          <a:chExt cx="0" cy="0"/>
+        </a:xfrm>
+      </p:grpSpPr>
+      <p:sp>
+        <p:nvSpPr>
+          <p:cNvPr id="229" name="Google Shape;229;g122ebe92d3d_0_107"/>
+          <p:cNvSpPr txBox="1"/>
+          <p:nvPr>
+            <p:ph idx="12" type="sldNum"/>
+          </p:nvPr>
+        </p:nvSpPr>
+        <p:spPr>
+          <a:xfrm>
+            <a:off x="6457950" y="4767265"/>
+            <a:ext cx="2057400" cy="273900"/>
+          </a:xfrm>
+          <a:prstGeom prst="rect">
+            <a:avLst/>
+          </a:prstGeom>
+          <a:noFill/>
+          <a:ln>
+            <a:noFill/>
+          </a:ln>
+        </p:spPr>
+        <p:txBody>
+          <a:bodyPr anchorCtr="0" anchor="ctr" bIns="34275" lIns="68575" spcFirstLastPara="1" rIns="68575" wrap="square" tIns="34275">
+            <a:noAutofit/>
+          </a:bodyPr>
+          <a:lstStyle/>
+          <a:p>
+            <a:pPr indent="0" lvl="0" marL="0" rtl="0" algn="r">
+              <a:lnSpc>
+                <a:spcPct val="100000"/>
+              </a:lnSpc>
+              <a:spcBef>
+                <a:spcPts val="0"/>
+              </a:spcBef>
+              <a:spcAft>
+                <a:spcPts val="0"/>
+              </a:spcAft>
+              <a:buClr>
+                <a:srgbClr val="000000"/>
+              </a:buClr>
+              <a:buSzPts val="900"/>
+              <a:buFont typeface="Arial"/>
+              <a:buNone/>
+            </a:pPr>
+            <a:fld id="{00000000-1234-1234-1234-123412341234}" type="slidenum">
+              <a:rPr lang="en-GB" sz="900">
+                <a:solidFill>
+                  <a:srgbClr val="00B0F0"/>
+                </a:solidFill>
+              </a:rPr>
+              <a:t>‹#›</a:t>
+            </a:fld>
+            <a:endParaRPr sz="900">
+              <a:solidFill>
+                <a:srgbClr val="00B0F0"/>
+              </a:solidFill>
+            </a:endParaRPr>
+          </a:p>
+        </p:txBody>
+      </p:sp>
+      <p:sp>
+        <p:nvSpPr>
+          <p:cNvPr id="230" name="Google Shape;230;g122ebe92d3d_0_107"/>
+          <p:cNvSpPr/>
+          <p:nvPr/>
+        </p:nvSpPr>
+        <p:spPr>
+          <a:xfrm>
+            <a:off x="1295702" y="2455828"/>
+            <a:ext cx="6552600" cy="392400"/>
+          </a:xfrm>
+          <a:prstGeom prst="rect">
+            <a:avLst/>
+          </a:prstGeom>
+          <a:noFill/>
+          <a:ln>
+            <a:noFill/>
+          </a:ln>
+        </p:spPr>
+        <p:txBody>
+          <a:bodyPr anchorCtr="0" anchor="t" bIns="45700" lIns="91425" spcFirstLastPara="1" rIns="91425" wrap="square" tIns="45700">
+            <a:noAutofit/>
+          </a:bodyPr>
+          <a:lstStyle/>
+          <a:p>
+            <a:pPr indent="0" lvl="0" marL="0" marR="0" rtl="0" algn="ctr">
+              <a:lnSpc>
+                <a:spcPct val="100000"/>
+              </a:lnSpc>
+              <a:spcBef>
+                <a:spcPts val="0"/>
+              </a:spcBef>
+              <a:spcAft>
+                <a:spcPts val="0"/>
+              </a:spcAft>
+              <a:buClr>
+                <a:srgbClr val="000000"/>
+              </a:buClr>
+              <a:buSzPts val="2800"/>
+              <a:buFont typeface="Arial"/>
+              <a:buNone/>
+            </a:pPr>
+            <a:r>
+              <a:rPr b="1" i="0" lang="en-GB" sz="2800" u="none" cap="none" strike="noStrike">
+                <a:solidFill>
+                  <a:schemeClr val="lt1"/>
+                </a:solidFill>
+                <a:latin typeface="Verdana"/>
+                <a:ea typeface="Verdana"/>
+                <a:cs typeface="Verdana"/>
+                <a:sym typeface="Verdana"/>
+              </a:rPr>
+              <a:t>Gracias!</a:t>
+            </a:r>
+            <a:endParaRPr b="0" i="0" sz="1400" u="none" cap="none" strike="noStrike">
+              <a:solidFill>
+                <a:schemeClr val="lt1"/>
+              </a:solidFill>
+              <a:latin typeface="Verdana"/>
+              <a:ea typeface="Verdana"/>
+              <a:cs typeface="Verdana"/>
+              <a:sym typeface="Verdana"/>
+            </a:endParaRPr>
+          </a:p>
+        </p:txBody>
+      </p:sp>
     </p:spTree>
   </p:cSld>
   <p:clrMapOvr>
@@ -17706,6 +18458,285 @@
 </file>
 
 <file path=ppt/theme/theme1.xml><?xml version="1.0" encoding="utf-8"?>
+<a:theme xmlns:a="http://schemas.openxmlformats.org/drawingml/2006/main" xmlns:r="http://schemas.openxmlformats.org/officeDocument/2006/relationships" name="ITBA">
+  <a:themeElements>
+    <a:clrScheme name="Tema de Office">
+      <a:dk1>
+        <a:srgbClr val="000000"/>
+      </a:dk1>
+      <a:lt1>
+        <a:srgbClr val="FFFFFF"/>
+      </a:lt1>
+      <a:dk2>
+        <a:srgbClr val="44546A"/>
+      </a:dk2>
+      <a:lt2>
+        <a:srgbClr val="E7E6E6"/>
+      </a:lt2>
+      <a:accent1>
+        <a:srgbClr val="5B9BD5"/>
+      </a:accent1>
+      <a:accent2>
+        <a:srgbClr val="ED7D31"/>
+      </a:accent2>
+      <a:accent3>
+        <a:srgbClr val="A5A5A5"/>
+      </a:accent3>
+      <a:accent4>
+        <a:srgbClr val="FFC000"/>
+      </a:accent4>
+      <a:accent5>
+        <a:srgbClr val="4472C4"/>
+      </a:accent5>
+      <a:accent6>
+        <a:srgbClr val="70AD47"/>
+      </a:accent6>
+      <a:hlink>
+        <a:srgbClr val="0563C1"/>
+      </a:hlink>
+      <a:folHlink>
+        <a:srgbClr val="954F72"/>
+      </a:folHlink>
+    </a:clrScheme>
+    <a:fontScheme name="Office">
+      <a:majorFont>
+        <a:latin typeface="Arial"/>
+        <a:ea typeface=""/>
+        <a:cs typeface=""/>
+        <a:font script="Jpan" typeface="ＭＳ Ｐゴシック"/>
+        <a:font script="Hang" typeface="맑은 고딕"/>
+        <a:font script="Hans" typeface="宋体"/>
+        <a:font script="Hant" typeface="新細明體"/>
+        <a:font script="Arab" typeface="Times New Roman"/>
+        <a:font script="Hebr" typeface="Times New Roman"/>
+        <a:font script="Thai" typeface="Angsana New"/>
+        <a:font script="Ethi" typeface="Nyala"/>
+        <a:font script="Beng" typeface="Vrinda"/>
+        <a:font script="Gujr" typeface="Shruti"/>
+        <a:font script="Khmr" typeface="MoolBoran"/>
+        <a:font script="Knda" typeface="Tunga"/>
+        <a:font script="Guru" typeface="Raavi"/>
+        <a:font script="Cans" typeface="Euphemia"/>
+        <a:font script="Cher" typeface="Plantagenet Cherokee"/>
+        <a:font script="Yiii" typeface="Microsoft Yi Baiti"/>
+        <a:font script="Tibt" typeface="Microsoft Himalaya"/>
+        <a:font script="Thaa" typeface="MV Boli"/>
+        <a:font script="Deva" typeface="Mangal"/>
+        <a:font script="Telu" typeface="Gautami"/>
+        <a:font script="Taml" typeface="Latha"/>
+        <a:font script="Syrc" typeface="Estrangelo Edessa"/>
+        <a:font script="Orya" typeface="Kalinga"/>
+        <a:font script="Mlym" typeface="Kartika"/>
+        <a:font script="Laoo" typeface="DokChampa"/>
+        <a:font script="Sinh" typeface="Iskoola Pota"/>
+        <a:font script="Mong" typeface="Mongolian Baiti"/>
+        <a:font script="Viet" typeface="Times New Roman"/>
+        <a:font script="Uigh" typeface="Microsoft Uighur"/>
+        <a:font script="Geor" typeface="Sylfaen"/>
+      </a:majorFont>
+      <a:minorFont>
+        <a:latin typeface="Arial"/>
+        <a:ea typeface=""/>
+        <a:cs typeface=""/>
+        <a:font script="Jpan" typeface="ＭＳ Ｐゴシック"/>
+        <a:font script="Hang" typeface="맑은 고딕"/>
+        <a:font script="Hans" typeface="宋体"/>
+        <a:font script="Hant" typeface="新細明體"/>
+        <a:font script="Arab" typeface="Arial"/>
+        <a:font script="Hebr" typeface="Arial"/>
+        <a:font script="Thai" typeface="Cordia New"/>
+        <a:font script="Ethi" typeface="Nyala"/>
+        <a:font script="Beng" typeface="Vrinda"/>
+        <a:font script="Gujr" typeface="Shruti"/>
+        <a:font script="Khmr" typeface="DaunPenh"/>
+        <a:font script="Knda" typeface="Tunga"/>
+        <a:font script="Guru" typeface="Raavi"/>
+        <a:font script="Cans" typeface="Euphemia"/>
+        <a:font script="Cher" typeface="Plantagenet Cherokee"/>
+        <a:font script="Yiii" typeface="Microsoft Yi Baiti"/>
+        <a:font script="Tibt" typeface="Microsoft Himalaya"/>
+        <a:font script="Thaa" typeface="MV Boli"/>
+        <a:font script="Deva" typeface="Mangal"/>
+        <a:font script="Telu" typeface="Gautami"/>
+        <a:font script="Taml" typeface="Latha"/>
+        <a:font script="Syrc" typeface="Estrangelo Edessa"/>
+        <a:font script="Orya" typeface="Kalinga"/>
+        <a:font script="Mlym" typeface="Kartika"/>
+        <a:font script="Laoo" typeface="DokChampa"/>
+        <a:font script="Sinh" typeface="Iskoola Pota"/>
+        <a:font script="Mong" typeface="Mongolian Baiti"/>
+        <a:font script="Viet" typeface="Arial"/>
+        <a:font script="Uigh" typeface="Microsoft Uighur"/>
+        <a:font script="Geor" typeface="Sylfaen"/>
+      </a:minorFont>
+    </a:fontScheme>
+    <a:fmtScheme name="Office">
+      <a:fillStyleLst>
+        <a:solidFill>
+          <a:schemeClr val="phClr"/>
+        </a:solidFill>
+        <a:gradFill rotWithShape="1">
+          <a:gsLst>
+            <a:gs pos="0">
+              <a:schemeClr val="phClr">
+                <a:tint val="50000"/>
+                <a:satMod val="300000"/>
+              </a:schemeClr>
+            </a:gs>
+            <a:gs pos="35000">
+              <a:schemeClr val="phClr">
+                <a:tint val="37000"/>
+                <a:satMod val="300000"/>
+              </a:schemeClr>
+            </a:gs>
+            <a:gs pos="100000">
+              <a:schemeClr val="phClr">
+                <a:tint val="15000"/>
+                <a:satMod val="350000"/>
+              </a:schemeClr>
+            </a:gs>
+          </a:gsLst>
+          <a:lin ang="16200000" scaled="1"/>
+        </a:gradFill>
+        <a:gradFill rotWithShape="1">
+          <a:gsLst>
+            <a:gs pos="0">
+              <a:schemeClr val="phClr">
+                <a:tint val="100000"/>
+                <a:shade val="100000"/>
+                <a:satMod val="130000"/>
+              </a:schemeClr>
+            </a:gs>
+            <a:gs pos="100000">
+              <a:schemeClr val="phClr">
+                <a:tint val="50000"/>
+                <a:shade val="100000"/>
+                <a:satMod val="350000"/>
+              </a:schemeClr>
+            </a:gs>
+          </a:gsLst>
+          <a:lin ang="16200000" scaled="0"/>
+        </a:gradFill>
+      </a:fillStyleLst>
+      <a:lnStyleLst>
+        <a:ln w="9525" cap="flat" cmpd="sng" algn="ctr">
+          <a:solidFill>
+            <a:schemeClr val="phClr">
+              <a:shade val="95000"/>
+              <a:satMod val="105000"/>
+            </a:schemeClr>
+          </a:solidFill>
+          <a:prstDash val="solid"/>
+        </a:ln>
+        <a:ln w="25400" cap="flat" cmpd="sng" algn="ctr">
+          <a:solidFill>
+            <a:schemeClr val="phClr"/>
+          </a:solidFill>
+          <a:prstDash val="solid"/>
+        </a:ln>
+        <a:ln w="38100" cap="flat" cmpd="sng" algn="ctr">
+          <a:solidFill>
+            <a:schemeClr val="phClr"/>
+          </a:solidFill>
+          <a:prstDash val="solid"/>
+        </a:ln>
+      </a:lnStyleLst>
+      <a:effectStyleLst>
+        <a:effectStyle>
+          <a:effectLst>
+            <a:outerShdw blurRad="40000" dist="20000" dir="5400000" rotWithShape="0">
+              <a:srgbClr val="000000">
+                <a:alpha val="38000"/>
+              </a:srgbClr>
+            </a:outerShdw>
+          </a:effectLst>
+        </a:effectStyle>
+        <a:effectStyle>
+          <a:effectLst>
+            <a:outerShdw blurRad="40000" dist="23000" dir="5400000" rotWithShape="0">
+              <a:srgbClr val="000000">
+                <a:alpha val="35000"/>
+              </a:srgbClr>
+            </a:outerShdw>
+          </a:effectLst>
+        </a:effectStyle>
+        <a:effectStyle>
+          <a:effectLst>
+            <a:outerShdw blurRad="40000" dist="23000" dir="5400000" rotWithShape="0">
+              <a:srgbClr val="000000">
+                <a:alpha val="35000"/>
+              </a:srgbClr>
+            </a:outerShdw>
+          </a:effectLst>
+          <a:scene3d>
+            <a:camera prst="orthographicFront">
+              <a:rot lat="0" lon="0" rev="0"/>
+            </a:camera>
+            <a:lightRig rig="threePt" dir="t">
+              <a:rot lat="0" lon="0" rev="1200000"/>
+            </a:lightRig>
+          </a:scene3d>
+          <a:sp3d>
+            <a:bevelT w="63500" h="25400"/>
+          </a:sp3d>
+        </a:effectStyle>
+      </a:effectStyleLst>
+      <a:bgFillStyleLst>
+        <a:solidFill>
+          <a:schemeClr val="phClr"/>
+        </a:solidFill>
+        <a:gradFill rotWithShape="1">
+          <a:gsLst>
+            <a:gs pos="0">
+              <a:schemeClr val="phClr">
+                <a:tint val="40000"/>
+                <a:satMod val="350000"/>
+              </a:schemeClr>
+            </a:gs>
+            <a:gs pos="40000">
+              <a:schemeClr val="phClr">
+                <a:tint val="45000"/>
+                <a:shade val="99000"/>
+                <a:satMod val="350000"/>
+              </a:schemeClr>
+            </a:gs>
+            <a:gs pos="100000">
+              <a:schemeClr val="phClr">
+                <a:shade val="20000"/>
+                <a:satMod val="255000"/>
+              </a:schemeClr>
+            </a:gs>
+          </a:gsLst>
+          <a:path path="circle">
+            <a:fillToRect l="50000" t="-80000" r="50000" b="180000"/>
+          </a:path>
+        </a:gradFill>
+        <a:gradFill rotWithShape="1">
+          <a:gsLst>
+            <a:gs pos="0">
+              <a:schemeClr val="phClr">
+                <a:tint val="80000"/>
+                <a:satMod val="300000"/>
+              </a:schemeClr>
+            </a:gs>
+            <a:gs pos="100000">
+              <a:schemeClr val="phClr">
+                <a:shade val="30000"/>
+                <a:satMod val="200000"/>
+              </a:schemeClr>
+            </a:gs>
+          </a:gsLst>
+          <a:path path="circle">
+            <a:fillToRect l="50000" t="50000" r="50000" b="50000"/>
+          </a:path>
+        </a:gradFill>
+      </a:bgFillStyleLst>
+    </a:fmtScheme>
+  </a:themeElements>
+</a:theme>
+</file>
+
+<file path=ppt/theme/theme2.xml><?xml version="1.0" encoding="utf-8"?>
 <a:theme xmlns:a="http://schemas.openxmlformats.org/drawingml/2006/main" xmlns:r="http://schemas.openxmlformats.org/officeDocument/2006/relationships">
   <a:themeElements>
     <a:clrScheme name="Default">
@@ -17982,283 +19013,4 @@
     </a:fmtScheme>
   </a:themeElements>
 </a:theme>
-</file>
-
-<file path=ppt/theme/theme2.xml><?xml version="1.0" encoding="utf-8"?>
-<a:theme xmlns:a="http://schemas.openxmlformats.org/drawingml/2006/main" xmlns:r="http://schemas.openxmlformats.org/officeDocument/2006/relationships" name="ITBA">
-  <a:themeElements>
-    <a:clrScheme name="Tema de Office">
-      <a:dk1>
-        <a:srgbClr val="000000"/>
-      </a:dk1>
-      <a:lt1>
-        <a:srgbClr val="FFFFFF"/>
-      </a:lt1>
-      <a:dk2>
-        <a:srgbClr val="44546A"/>
-      </a:dk2>
-      <a:lt2>
-        <a:srgbClr val="E7E6E6"/>
-      </a:lt2>
-      <a:accent1>
-        <a:srgbClr val="5B9BD5"/>
-      </a:accent1>
-      <a:accent2>
-        <a:srgbClr val="ED7D31"/>
-      </a:accent2>
-      <a:accent3>
-        <a:srgbClr val="A5A5A5"/>
-      </a:accent3>
-      <a:accent4>
-        <a:srgbClr val="FFC000"/>
-      </a:accent4>
-      <a:accent5>
-        <a:srgbClr val="4472C4"/>
-      </a:accent5>
-      <a:accent6>
-        <a:srgbClr val="70AD47"/>
-      </a:accent6>
-      <a:hlink>
-        <a:srgbClr val="0563C1"/>
-      </a:hlink>
-      <a:folHlink>
-        <a:srgbClr val="954F72"/>
-      </a:folHlink>
-    </a:clrScheme>
-    <a:fontScheme name="Office">
-      <a:majorFont>
-        <a:latin typeface="Arial"/>
-        <a:ea typeface=""/>
-        <a:cs typeface=""/>
-        <a:font script="Jpan" typeface="ＭＳ Ｐゴシック"/>
-        <a:font script="Hang" typeface="맑은 고딕"/>
-        <a:font script="Hans" typeface="宋体"/>
-        <a:font script="Hant" typeface="新細明體"/>
-        <a:font script="Arab" typeface="Times New Roman"/>
-        <a:font script="Hebr" typeface="Times New Roman"/>
-        <a:font script="Thai" typeface="Angsana New"/>
-        <a:font script="Ethi" typeface="Nyala"/>
-        <a:font script="Beng" typeface="Vrinda"/>
-        <a:font script="Gujr" typeface="Shruti"/>
-        <a:font script="Khmr" typeface="MoolBoran"/>
-        <a:font script="Knda" typeface="Tunga"/>
-        <a:font script="Guru" typeface="Raavi"/>
-        <a:font script="Cans" typeface="Euphemia"/>
-        <a:font script="Cher" typeface="Plantagenet Cherokee"/>
-        <a:font script="Yiii" typeface="Microsoft Yi Baiti"/>
-        <a:font script="Tibt" typeface="Microsoft Himalaya"/>
-        <a:font script="Thaa" typeface="MV Boli"/>
-        <a:font script="Deva" typeface="Mangal"/>
-        <a:font script="Telu" typeface="Gautami"/>
-        <a:font script="Taml" typeface="Latha"/>
-        <a:font script="Syrc" typeface="Estrangelo Edessa"/>
-        <a:font script="Orya" typeface="Kalinga"/>
-        <a:font script="Mlym" typeface="Kartika"/>
-        <a:font script="Laoo" typeface="DokChampa"/>
-        <a:font script="Sinh" typeface="Iskoola Pota"/>
-        <a:font script="Mong" typeface="Mongolian Baiti"/>
-        <a:font script="Viet" typeface="Times New Roman"/>
-        <a:font script="Uigh" typeface="Microsoft Uighur"/>
-        <a:font script="Geor" typeface="Sylfaen"/>
-      </a:majorFont>
-      <a:minorFont>
-        <a:latin typeface="Arial"/>
-        <a:ea typeface=""/>
-        <a:cs typeface=""/>
-        <a:font script="Jpan" typeface="ＭＳ Ｐゴシック"/>
-        <a:font script="Hang" typeface="맑은 고딕"/>
-        <a:font script="Hans" typeface="宋体"/>
-        <a:font script="Hant" typeface="新細明體"/>
-        <a:font script="Arab" typeface="Arial"/>
-        <a:font script="Hebr" typeface="Arial"/>
-        <a:font script="Thai" typeface="Cordia New"/>
-        <a:font script="Ethi" typeface="Nyala"/>
-        <a:font script="Beng" typeface="Vrinda"/>
-        <a:font script="Gujr" typeface="Shruti"/>
-        <a:font script="Khmr" typeface="DaunPenh"/>
-        <a:font script="Knda" typeface="Tunga"/>
-        <a:font script="Guru" typeface="Raavi"/>
-        <a:font script="Cans" typeface="Euphemia"/>
-        <a:font script="Cher" typeface="Plantagenet Cherokee"/>
-        <a:font script="Yiii" typeface="Microsoft Yi Baiti"/>
-        <a:font script="Tibt" typeface="Microsoft Himalaya"/>
-        <a:font script="Thaa" typeface="MV Boli"/>
-        <a:font script="Deva" typeface="Mangal"/>
-        <a:font script="Telu" typeface="Gautami"/>
-        <a:font script="Taml" typeface="Latha"/>
-        <a:font script="Syrc" typeface="Estrangelo Edessa"/>
-        <a:font script="Orya" typeface="Kalinga"/>
-        <a:font script="Mlym" typeface="Kartika"/>
-        <a:font script="Laoo" typeface="DokChampa"/>
-        <a:font script="Sinh" typeface="Iskoola Pota"/>
-        <a:font script="Mong" typeface="Mongolian Baiti"/>
-        <a:font script="Viet" typeface="Arial"/>
-        <a:font script="Uigh" typeface="Microsoft Uighur"/>
-        <a:font script="Geor" typeface="Sylfaen"/>
-      </a:minorFont>
-    </a:fontScheme>
-    <a:fmtScheme name="Office">
-      <a:fillStyleLst>
-        <a:solidFill>
-          <a:schemeClr val="phClr"/>
-        </a:solidFill>
-        <a:gradFill rotWithShape="1">
-          <a:gsLst>
-            <a:gs pos="0">
-              <a:schemeClr val="phClr">
-                <a:tint val="50000"/>
-                <a:satMod val="300000"/>
-              </a:schemeClr>
-            </a:gs>
-            <a:gs pos="35000">
-              <a:schemeClr val="phClr">
-                <a:tint val="37000"/>
-                <a:satMod val="300000"/>
-              </a:schemeClr>
-            </a:gs>
-            <a:gs pos="100000">
-              <a:schemeClr val="phClr">
-                <a:tint val="15000"/>
-                <a:satMod val="350000"/>
-              </a:schemeClr>
-            </a:gs>
-          </a:gsLst>
-          <a:lin ang="16200000" scaled="1"/>
-        </a:gradFill>
-        <a:gradFill rotWithShape="1">
-          <a:gsLst>
-            <a:gs pos="0">
-              <a:schemeClr val="phClr">
-                <a:tint val="100000"/>
-                <a:shade val="100000"/>
-                <a:satMod val="130000"/>
-              </a:schemeClr>
-            </a:gs>
-            <a:gs pos="100000">
-              <a:schemeClr val="phClr">
-                <a:tint val="50000"/>
-                <a:shade val="100000"/>
-                <a:satMod val="350000"/>
-              </a:schemeClr>
-            </a:gs>
-          </a:gsLst>
-          <a:lin ang="16200000" scaled="0"/>
-        </a:gradFill>
-      </a:fillStyleLst>
-      <a:lnStyleLst>
-        <a:ln w="9525" cap="flat" cmpd="sng" algn="ctr">
-          <a:solidFill>
-            <a:schemeClr val="phClr">
-              <a:shade val="95000"/>
-              <a:satMod val="105000"/>
-            </a:schemeClr>
-          </a:solidFill>
-          <a:prstDash val="solid"/>
-        </a:ln>
-        <a:ln w="25400" cap="flat" cmpd="sng" algn="ctr">
-          <a:solidFill>
-            <a:schemeClr val="phClr"/>
-          </a:solidFill>
-          <a:prstDash val="solid"/>
-        </a:ln>
-        <a:ln w="38100" cap="flat" cmpd="sng" algn="ctr">
-          <a:solidFill>
-            <a:schemeClr val="phClr"/>
-          </a:solidFill>
-          <a:prstDash val="solid"/>
-        </a:ln>
-      </a:lnStyleLst>
-      <a:effectStyleLst>
-        <a:effectStyle>
-          <a:effectLst>
-            <a:outerShdw blurRad="40000" dist="20000" dir="5400000" rotWithShape="0">
-              <a:srgbClr val="000000">
-                <a:alpha val="38000"/>
-              </a:srgbClr>
-            </a:outerShdw>
-          </a:effectLst>
-        </a:effectStyle>
-        <a:effectStyle>
-          <a:effectLst>
-            <a:outerShdw blurRad="40000" dist="23000" dir="5400000" rotWithShape="0">
-              <a:srgbClr val="000000">
-                <a:alpha val="35000"/>
-              </a:srgbClr>
-            </a:outerShdw>
-          </a:effectLst>
-        </a:effectStyle>
-        <a:effectStyle>
-          <a:effectLst>
-            <a:outerShdw blurRad="40000" dist="23000" dir="5400000" rotWithShape="0">
-              <a:srgbClr val="000000">
-                <a:alpha val="35000"/>
-              </a:srgbClr>
-            </a:outerShdw>
-          </a:effectLst>
-          <a:scene3d>
-            <a:camera prst="orthographicFront">
-              <a:rot lat="0" lon="0" rev="0"/>
-            </a:camera>
-            <a:lightRig rig="threePt" dir="t">
-              <a:rot lat="0" lon="0" rev="1200000"/>
-            </a:lightRig>
-          </a:scene3d>
-          <a:sp3d>
-            <a:bevelT w="63500" h="25400"/>
-          </a:sp3d>
-        </a:effectStyle>
-      </a:effectStyleLst>
-      <a:bgFillStyleLst>
-        <a:solidFill>
-          <a:schemeClr val="phClr"/>
-        </a:solidFill>
-        <a:gradFill rotWithShape="1">
-          <a:gsLst>
-            <a:gs pos="0">
-              <a:schemeClr val="phClr">
-                <a:tint val="40000"/>
-                <a:satMod val="350000"/>
-              </a:schemeClr>
-            </a:gs>
-            <a:gs pos="40000">
-              <a:schemeClr val="phClr">
-                <a:tint val="45000"/>
-                <a:shade val="99000"/>
-                <a:satMod val="350000"/>
-              </a:schemeClr>
-            </a:gs>
-            <a:gs pos="100000">
-              <a:schemeClr val="phClr">
-                <a:shade val="20000"/>
-                <a:satMod val="255000"/>
-              </a:schemeClr>
-            </a:gs>
-          </a:gsLst>
-          <a:path path="circle">
-            <a:fillToRect l="50000" t="-80000" r="50000" b="180000"/>
-          </a:path>
-        </a:gradFill>
-        <a:gradFill rotWithShape="1">
-          <a:gsLst>
-            <a:gs pos="0">
-              <a:schemeClr val="phClr">
-                <a:tint val="80000"/>
-                <a:satMod val="300000"/>
-              </a:schemeClr>
-            </a:gs>
-            <a:gs pos="100000">
-              <a:schemeClr val="phClr">
-                <a:shade val="30000"/>
-                <a:satMod val="200000"/>
-              </a:schemeClr>
-            </a:gs>
-          </a:gsLst>
-          <a:path path="circle">
-            <a:fillToRect l="50000" t="50000" r="50000" b="50000"/>
-          </a:path>
-        </a:gradFill>
-      </a:bgFillStyleLst>
-    </a:fmtScheme>
-  </a:themeElements>
-</a:theme>
 </file>